--- a/2.Data_Insights/Module_2_my_slide.pptx
+++ b/2.Data_Insights/Module_2_my_slide.pptx
@@ -2084,7 +2084,7 @@
           </a:ln>
           <a:extLst>
             <a:ext uri="{C572A759-6A51-4108-AA02-DFA0A04FC94B}">
-              <ma14:wrappingTextBoxFlag xmlns:ma14="http://schemas.microsoft.com/office/mac/drawingml/2011/main" xmlns="" val="1"/>
+              <ma14:wrappingTextBoxFlag xmlns="" xmlns:ma14="http://schemas.microsoft.com/office/mac/drawingml/2011/main" val="1"/>
             </a:ext>
           </a:extLst>
         </p:spPr>
@@ -2123,7 +2123,7 @@
           </a:ln>
           <a:extLst>
             <a:ext uri="{C572A759-6A51-4108-AA02-DFA0A04FC94B}">
-              <ma14:wrappingTextBoxFlag xmlns:ma14="http://schemas.microsoft.com/office/mac/drawingml/2011/main" xmlns="" val="1"/>
+              <ma14:wrappingTextBoxFlag xmlns="" xmlns:ma14="http://schemas.microsoft.com/office/mac/drawingml/2011/main" val="1"/>
             </a:ext>
           </a:extLst>
         </p:spPr>
@@ -3183,7 +3183,7 @@
           </a:ln>
           <a:extLst>
             <a:ext uri="{C572A759-6A51-4108-AA02-DFA0A04FC94B}">
-              <ma14:wrappingTextBoxFlag xmlns:ma14="http://schemas.microsoft.com/office/mac/drawingml/2011/main" xmlns="" val="1"/>
+              <ma14:wrappingTextBoxFlag xmlns="" xmlns:ma14="http://schemas.microsoft.com/office/mac/drawingml/2011/main" val="1"/>
             </a:ext>
           </a:extLst>
         </p:spPr>
@@ -3230,7 +3230,7 @@
           </a:ln>
           <a:extLst>
             <a:ext uri="{C572A759-6A51-4108-AA02-DFA0A04FC94B}">
-              <ma14:wrappingTextBoxFlag xmlns:ma14="http://schemas.microsoft.com/office/mac/drawingml/2011/main" xmlns="" val="1"/>
+              <ma14:wrappingTextBoxFlag xmlns="" xmlns:ma14="http://schemas.microsoft.com/office/mac/drawingml/2011/main" val="1"/>
             </a:ext>
           </a:extLst>
         </p:spPr>
@@ -3304,7 +3304,7 @@
           </a:ln>
           <a:extLst>
             <a:ext uri="{C572A759-6A51-4108-AA02-DFA0A04FC94B}">
-              <ma14:wrappingTextBoxFlag xmlns:ma14="http://schemas.microsoft.com/office/mac/drawingml/2011/main" xmlns="" val="1"/>
+              <ma14:wrappingTextBoxFlag xmlns="" xmlns:ma14="http://schemas.microsoft.com/office/mac/drawingml/2011/main" val="1"/>
             </a:ext>
           </a:extLst>
         </p:spPr>
@@ -3354,7 +3354,7 @@
           </a:ln>
           <a:extLst>
             <a:ext uri="{C572A759-6A51-4108-AA02-DFA0A04FC94B}">
-              <ma14:wrappingTextBoxFlag xmlns:ma14="http://schemas.microsoft.com/office/mac/drawingml/2011/main" xmlns="" val="1"/>
+              <ma14:wrappingTextBoxFlag xmlns="" xmlns:ma14="http://schemas.microsoft.com/office/mac/drawingml/2011/main" val="1"/>
             </a:ext>
           </a:extLst>
         </p:spPr>
@@ -3462,7 +3462,7 @@
           </a:ln>
           <a:extLst>
             <a:ext uri="{C572A759-6A51-4108-AA02-DFA0A04FC94B}">
-              <ma14:wrappingTextBoxFlag xmlns:ma14="http://schemas.microsoft.com/office/mac/drawingml/2011/main" xmlns="" val="1"/>
+              <ma14:wrappingTextBoxFlag xmlns="" xmlns:ma14="http://schemas.microsoft.com/office/mac/drawingml/2011/main" val="1"/>
             </a:ext>
           </a:extLst>
         </p:spPr>
@@ -3505,7 +3505,7 @@
           </a:ln>
           <a:extLst>
             <a:ext uri="{C572A759-6A51-4108-AA02-DFA0A04FC94B}">
-              <ma14:wrappingTextBoxFlag xmlns:ma14="http://schemas.microsoft.com/office/mac/drawingml/2011/main" xmlns="" val="1"/>
+              <ma14:wrappingTextBoxFlag xmlns="" xmlns:ma14="http://schemas.microsoft.com/office/mac/drawingml/2011/main" val="1"/>
             </a:ext>
           </a:extLst>
         </p:spPr>
@@ -3559,7 +3559,7 @@
           </a:ln>
           <a:extLst>
             <a:ext uri="{C572A759-6A51-4108-AA02-DFA0A04FC94B}">
-              <ma14:wrappingTextBoxFlag xmlns:ma14="http://schemas.microsoft.com/office/mac/drawingml/2011/main" xmlns="" val="1"/>
+              <ma14:wrappingTextBoxFlag xmlns="" xmlns:ma14="http://schemas.microsoft.com/office/mac/drawingml/2011/main" val="1"/>
             </a:ext>
           </a:extLst>
         </p:spPr>
@@ -3667,7 +3667,7 @@
           </a:ln>
           <a:extLst>
             <a:ext uri="{C572A759-6A51-4108-AA02-DFA0A04FC94B}">
-              <ma14:wrappingTextBoxFlag xmlns:ma14="http://schemas.microsoft.com/office/mac/drawingml/2011/main" xmlns="" val="1"/>
+              <ma14:wrappingTextBoxFlag xmlns="" xmlns:ma14="http://schemas.microsoft.com/office/mac/drawingml/2011/main" val="1"/>
             </a:ext>
           </a:extLst>
         </p:spPr>
@@ -3710,7 +3710,7 @@
           </a:ln>
           <a:extLst>
             <a:ext uri="{C572A759-6A51-4108-AA02-DFA0A04FC94B}">
-              <ma14:wrappingTextBoxFlag xmlns:ma14="http://schemas.microsoft.com/office/mac/drawingml/2011/main" xmlns="" val="1"/>
+              <ma14:wrappingTextBoxFlag xmlns="" xmlns:ma14="http://schemas.microsoft.com/office/mac/drawingml/2011/main" val="1"/>
             </a:ext>
           </a:extLst>
         </p:spPr>
@@ -3846,7 +3846,7 @@
           </a:ln>
           <a:extLst>
             <a:ext uri="{C572A759-6A51-4108-AA02-DFA0A04FC94B}">
-              <ma14:wrappingTextBoxFlag xmlns:ma14="http://schemas.microsoft.com/office/mac/drawingml/2011/main" xmlns="" val="1"/>
+              <ma14:wrappingTextBoxFlag xmlns="" xmlns:ma14="http://schemas.microsoft.com/office/mac/drawingml/2011/main" val="1"/>
             </a:ext>
           </a:extLst>
         </p:spPr>
@@ -3954,7 +3954,7 @@
           </a:ln>
           <a:extLst>
             <a:ext uri="{C572A759-6A51-4108-AA02-DFA0A04FC94B}">
-              <ma14:wrappingTextBoxFlag xmlns:ma14="http://schemas.microsoft.com/office/mac/drawingml/2011/main" xmlns="" val="1"/>
+              <ma14:wrappingTextBoxFlag xmlns="" xmlns:ma14="http://schemas.microsoft.com/office/mac/drawingml/2011/main" val="1"/>
             </a:ext>
           </a:extLst>
         </p:spPr>
@@ -3997,7 +3997,7 @@
           </a:ln>
           <a:extLst>
             <a:ext uri="{C572A759-6A51-4108-AA02-DFA0A04FC94B}">
-              <ma14:wrappingTextBoxFlag xmlns:ma14="http://schemas.microsoft.com/office/mac/drawingml/2011/main" xmlns="" val="1"/>
+              <ma14:wrappingTextBoxFlag xmlns="" xmlns:ma14="http://schemas.microsoft.com/office/mac/drawingml/2011/main" val="1"/>
             </a:ext>
           </a:extLst>
         </p:spPr>
@@ -4046,7 +4046,7 @@
           </a:ln>
           <a:extLst>
             <a:ext uri="{C572A759-6A51-4108-AA02-DFA0A04FC94B}">
-              <ma14:wrappingTextBoxFlag xmlns:ma14="http://schemas.microsoft.com/office/mac/drawingml/2011/main" xmlns="" val="1"/>
+              <ma14:wrappingTextBoxFlag xmlns="" xmlns:ma14="http://schemas.microsoft.com/office/mac/drawingml/2011/main" val="1"/>
             </a:ext>
           </a:extLst>
         </p:spPr>
@@ -4201,7 +4201,7 @@
             <a:effectLst/>
             <a:extLst>
               <a:ext uri="{C572A759-6A51-4108-AA02-DFA0A04FC94B}">
-                <ma14:wrappingTextBoxFlag xmlns:ma14="http://schemas.microsoft.com/office/mac/drawingml/2011/main" xmlns="" val="1"/>
+                <ma14:wrappingTextBoxFlag xmlns="" xmlns:ma14="http://schemas.microsoft.com/office/mac/drawingml/2011/main" val="1"/>
               </a:ext>
             </a:extLst>
           </p:spPr>
@@ -4249,7 +4249,7 @@
           </a:ln>
           <a:extLst>
             <a:ext uri="{C572A759-6A51-4108-AA02-DFA0A04FC94B}">
-              <ma14:wrappingTextBoxFlag xmlns:ma14="http://schemas.microsoft.com/office/mac/drawingml/2011/main" xmlns="" val="1"/>
+              <ma14:wrappingTextBoxFlag xmlns="" xmlns:ma14="http://schemas.microsoft.com/office/mac/drawingml/2011/main" val="1"/>
             </a:ext>
           </a:extLst>
         </p:spPr>
@@ -4357,7 +4357,7 @@
           </a:ln>
           <a:extLst>
             <a:ext uri="{C572A759-6A51-4108-AA02-DFA0A04FC94B}">
-              <ma14:wrappingTextBoxFlag xmlns:ma14="http://schemas.microsoft.com/office/mac/drawingml/2011/main" xmlns="" val="1"/>
+              <ma14:wrappingTextBoxFlag xmlns="" xmlns:ma14="http://schemas.microsoft.com/office/mac/drawingml/2011/main" val="1"/>
             </a:ext>
           </a:extLst>
         </p:spPr>
@@ -4400,7 +4400,7 @@
           </a:ln>
           <a:extLst>
             <a:ext uri="{C572A759-6A51-4108-AA02-DFA0A04FC94B}">
-              <ma14:wrappingTextBoxFlag xmlns:ma14="http://schemas.microsoft.com/office/mac/drawingml/2011/main" xmlns="" val="1"/>
+              <ma14:wrappingTextBoxFlag xmlns="" xmlns:ma14="http://schemas.microsoft.com/office/mac/drawingml/2011/main" val="1"/>
             </a:ext>
           </a:extLst>
         </p:spPr>
@@ -4449,7 +4449,7 @@
           </a:ln>
           <a:extLst>
             <a:ext uri="{C572A759-6A51-4108-AA02-DFA0A04FC94B}">
-              <ma14:wrappingTextBoxFlag xmlns:ma14="http://schemas.microsoft.com/office/mac/drawingml/2011/main" xmlns="" val="1"/>
+              <ma14:wrappingTextBoxFlag xmlns="" xmlns:ma14="http://schemas.microsoft.com/office/mac/drawingml/2011/main" val="1"/>
             </a:ext>
           </a:extLst>
         </p:spPr>
@@ -4588,7 +4588,7 @@
             <a:effectLst/>
             <a:extLst>
               <a:ext uri="{C572A759-6A51-4108-AA02-DFA0A04FC94B}">
-                <ma14:wrappingTextBoxFlag xmlns:ma14="http://schemas.microsoft.com/office/mac/drawingml/2011/main" xmlns="" val="1"/>
+                <ma14:wrappingTextBoxFlag xmlns="" xmlns:ma14="http://schemas.microsoft.com/office/mac/drawingml/2011/main" val="1"/>
               </a:ext>
             </a:extLst>
           </p:spPr>
@@ -4635,7 +4635,7 @@
           </a:ln>
           <a:extLst>
             <a:ext uri="{C572A759-6A51-4108-AA02-DFA0A04FC94B}">
-              <ma14:wrappingTextBoxFlag xmlns:ma14="http://schemas.microsoft.com/office/mac/drawingml/2011/main" xmlns="" val="1"/>
+              <ma14:wrappingTextBoxFlag xmlns="" xmlns:ma14="http://schemas.microsoft.com/office/mac/drawingml/2011/main" val="1"/>
             </a:ext>
           </a:extLst>
         </p:spPr>
@@ -4743,7 +4743,7 @@
           </a:ln>
           <a:extLst>
             <a:ext uri="{C572A759-6A51-4108-AA02-DFA0A04FC94B}">
-              <ma14:wrappingTextBoxFlag xmlns:ma14="http://schemas.microsoft.com/office/mac/drawingml/2011/main" xmlns="" val="1"/>
+              <ma14:wrappingTextBoxFlag xmlns="" xmlns:ma14="http://schemas.microsoft.com/office/mac/drawingml/2011/main" val="1"/>
             </a:ext>
           </a:extLst>
         </p:spPr>
@@ -4786,7 +4786,7 @@
           </a:ln>
           <a:extLst>
             <a:ext uri="{C572A759-6A51-4108-AA02-DFA0A04FC94B}">
-              <ma14:wrappingTextBoxFlag xmlns:ma14="http://schemas.microsoft.com/office/mac/drawingml/2011/main" xmlns="" val="1"/>
+              <ma14:wrappingTextBoxFlag xmlns="" xmlns:ma14="http://schemas.microsoft.com/office/mac/drawingml/2011/main" val="1"/>
             </a:ext>
           </a:extLst>
         </p:spPr>
@@ -4825,7 +4825,7 @@
         <p:spPr>
           <a:xfrm>
             <a:off x="205025" y="2164724"/>
-            <a:ext cx="4134600" cy="2285465"/>
+            <a:ext cx="4134600" cy="2816380"/>
           </a:xfrm>
           <a:prstGeom prst="rect">
             <a:avLst/>
@@ -4835,7 +4835,7 @@
           </a:ln>
           <a:extLst>
             <a:ext uri="{C572A759-6A51-4108-AA02-DFA0A04FC94B}">
-              <ma14:wrappingTextBoxFlag xmlns:ma14="http://schemas.microsoft.com/office/mac/drawingml/2011/main" xmlns="" val="1"/>
+              <ma14:wrappingTextBoxFlag xmlns="" xmlns:ma14="http://schemas.microsoft.com/office/mac/drawingml/2011/main" val="1"/>
             </a:ext>
           </a:extLst>
         </p:spPr>
@@ -4857,15 +4857,27 @@
             </a:lvl1pPr>
           </a:lstStyle>
           <a:p>
+            <a:pPr marL="285750" indent="-285750">
+              <a:buFont typeface="Wingdings" pitchFamily="2" charset="2"/>
+              <a:buChar char="q"/>
+            </a:pPr>
             <a:r>
               <a:rPr lang="en-GB" dirty="0"/>
               <a:t>In the new customers groups, there are slightly more female (50.6%/ 25,212 bikes) compared to male (47.7%/ 23,765 bikes) buyers.</a:t>
             </a:r>
           </a:p>
           <a:p>
+            <a:pPr marL="285750" indent="-285750">
+              <a:buFont typeface="Wingdings" pitchFamily="2" charset="2"/>
+              <a:buChar char="q"/>
+            </a:pPr>
             <a:endParaRPr lang="en-GB" dirty="0"/>
           </a:p>
           <a:p>
+            <a:pPr marL="285750" indent="-285750">
+              <a:buFont typeface="Wingdings" pitchFamily="2" charset="2"/>
+              <a:buChar char="q"/>
+            </a:pPr>
             <a:r>
               <a:rPr lang="en-GB" dirty="0"/>
               <a:t>The difference between the two group is small, so depending on the marketing strategy, you could either try to attract more male buyers or focus on female retention rates.</a:t>
@@ -4950,7 +4962,7 @@
             <a:effectLst/>
             <a:extLst>
               <a:ext uri="{C572A759-6A51-4108-AA02-DFA0A04FC94B}">
-                <ma14:wrappingTextBoxFlag xmlns:ma14="http://schemas.microsoft.com/office/mac/drawingml/2011/main" xmlns="" val="1"/>
+                <ma14:wrappingTextBoxFlag xmlns="" xmlns:ma14="http://schemas.microsoft.com/office/mac/drawingml/2011/main" val="1"/>
               </a:ext>
             </a:extLst>
           </p:spPr>
@@ -4997,7 +5009,7 @@
           </a:ln>
           <a:extLst>
             <a:ext uri="{C572A759-6A51-4108-AA02-DFA0A04FC94B}">
-              <ma14:wrappingTextBoxFlag xmlns:ma14="http://schemas.microsoft.com/office/mac/drawingml/2011/main" xmlns="" val="1"/>
+              <ma14:wrappingTextBoxFlag xmlns="" xmlns:ma14="http://schemas.microsoft.com/office/mac/drawingml/2011/main" val="1"/>
             </a:ext>
           </a:extLst>
         </p:spPr>
@@ -5105,6 +5117,363 @@
           </a:ln>
           <a:extLst>
             <a:ext uri="{C572A759-6A51-4108-AA02-DFA0A04FC94B}">
+              <ma14:wrappingTextBoxFlag xmlns="" xmlns:ma14="http://schemas.microsoft.com/office/mac/drawingml/2011/main" val="1"/>
+            </a:ext>
+          </a:extLst>
+        </p:spPr>
+        <p:txBody>
+          <a:bodyPr lIns="91424" tIns="91424" rIns="91424" bIns="91424">
+            <a:spAutoFit/>
+          </a:bodyPr>
+          <a:lstStyle>
+            <a:lvl1pPr>
+              <a:defRPr sz="2000" b="1">
+                <a:solidFill>
+                  <a:srgbClr val="FFFFFF"/>
+                </a:solidFill>
+              </a:defRPr>
+            </a:lvl1pPr>
+          </a:lstStyle>
+          <a:p>
+            <a:r>
+              <a:t>Interpretation</a:t>
+            </a:r>
+          </a:p>
+        </p:txBody>
+      </p:sp>
+      <p:sp>
+        <p:nvSpPr>
+          <p:cNvPr id="150" name="Shape 99"/>
+          <p:cNvSpPr/>
+          <p:nvPr/>
+        </p:nvSpPr>
+        <p:spPr>
+          <a:xfrm>
+            <a:off x="205025" y="1083299"/>
+            <a:ext cx="8565600" cy="508120"/>
+          </a:xfrm>
+          <a:prstGeom prst="rect">
+            <a:avLst/>
+          </a:prstGeom>
+          <a:ln w="12700">
+            <a:miter lim="400000"/>
+          </a:ln>
+          <a:extLst>
+            <a:ext uri="{C572A759-6A51-4108-AA02-DFA0A04FC94B}">
+              <ma14:wrappingTextBoxFlag xmlns="" xmlns:ma14="http://schemas.microsoft.com/office/mac/drawingml/2011/main" val="1"/>
+            </a:ext>
+          </a:extLst>
+        </p:spPr>
+        <p:txBody>
+          <a:bodyPr lIns="91424" tIns="91424" rIns="91424" bIns="91424">
+            <a:spAutoFit/>
+          </a:bodyPr>
+          <a:lstStyle>
+            <a:lvl1pPr>
+              <a:lnSpc>
+                <a:spcPct val="115000"/>
+              </a:lnSpc>
+              <a:defRPr sz="2000" b="1">
+                <a:latin typeface="Open Sans"/>
+                <a:ea typeface="Open Sans"/>
+                <a:cs typeface="Open Sans"/>
+                <a:sym typeface="Open Sans"/>
+              </a:defRPr>
+            </a:lvl1pPr>
+          </a:lstStyle>
+          <a:p>
+            <a:r>
+              <a:rPr lang="en-GB" dirty="0"/>
+              <a:t>Job industry category</a:t>
+            </a:r>
+            <a:endParaRPr dirty="0"/>
+          </a:p>
+        </p:txBody>
+      </p:sp>
+      <p:sp>
+        <p:nvSpPr>
+          <p:cNvPr id="151" name="Shape 100"/>
+          <p:cNvSpPr/>
+          <p:nvPr/>
+        </p:nvSpPr>
+        <p:spPr>
+          <a:xfrm>
+            <a:off x="205025" y="2164724"/>
+            <a:ext cx="4134600" cy="1223636"/>
+          </a:xfrm>
+          <a:prstGeom prst="rect">
+            <a:avLst/>
+          </a:prstGeom>
+          <a:ln w="12700">
+            <a:miter lim="400000"/>
+          </a:ln>
+          <a:extLst>
+            <a:ext uri="{C572A759-6A51-4108-AA02-DFA0A04FC94B}">
+              <ma14:wrappingTextBoxFlag xmlns="" xmlns:ma14="http://schemas.microsoft.com/office/mac/drawingml/2011/main" val="1"/>
+            </a:ext>
+          </a:extLst>
+        </p:spPr>
+        <p:txBody>
+          <a:bodyPr lIns="91424" tIns="91424" rIns="91424" bIns="91424">
+            <a:spAutoFit/>
+          </a:bodyPr>
+          <a:lstStyle>
+            <a:lvl1pPr>
+              <a:lnSpc>
+                <a:spcPct val="115000"/>
+              </a:lnSpc>
+              <a:defRPr sz="1500">
+                <a:latin typeface="Open Sans"/>
+                <a:ea typeface="Open Sans"/>
+                <a:cs typeface="Open Sans"/>
+                <a:sym typeface="Open Sans"/>
+              </a:defRPr>
+            </a:lvl1pPr>
+          </a:lstStyle>
+          <a:p>
+            <a:pPr marL="285750" indent="-285750">
+              <a:buFont typeface="Wingdings" pitchFamily="2" charset="2"/>
+              <a:buChar char="q"/>
+            </a:pPr>
+            <a:r>
+              <a:rPr lang="en-GB" dirty="0"/>
+              <a:t>The industry profile of the new customers are similar to the old customers, except for the first and second place where manufacturing have just overtaken finance.</a:t>
+            </a:r>
+            <a:endParaRPr dirty="0"/>
+          </a:p>
+        </p:txBody>
+      </p:sp>
+      <p:grpSp>
+        <p:nvGrpSpPr>
+          <p:cNvPr id="154" name="Shape 101"/>
+          <p:cNvGrpSpPr/>
+          <p:nvPr/>
+        </p:nvGrpSpPr>
+        <p:grpSpPr>
+          <a:xfrm>
+            <a:off x="4969974" y="2164724"/>
+            <a:ext cx="3800702" cy="2649302"/>
+            <a:chOff x="0" y="0"/>
+            <a:chExt cx="3800700" cy="2649300"/>
+          </a:xfrm>
+        </p:grpSpPr>
+        <p:sp>
+          <p:nvSpPr>
+            <p:cNvPr id="152" name="Rectangle"/>
+            <p:cNvSpPr/>
+            <p:nvPr/>
+          </p:nvSpPr>
+          <p:spPr>
+            <a:xfrm>
+              <a:off x="-1" y="-1"/>
+              <a:ext cx="3800702" cy="2649302"/>
+            </a:xfrm>
+            <a:prstGeom prst="rect">
+              <a:avLst/>
+            </a:prstGeom>
+            <a:solidFill>
+              <a:srgbClr val="EEEEEE"/>
+            </a:solidFill>
+            <a:ln w="12700" cap="flat">
+              <a:noFill/>
+              <a:miter lim="400000"/>
+            </a:ln>
+            <a:effectLst/>
+          </p:spPr>
+          <p:txBody>
+            <a:bodyPr wrap="square" lIns="45719" tIns="45719" rIns="45719" bIns="45719" numCol="1" anchor="ctr">
+              <a:noAutofit/>
+            </a:bodyPr>
+            <a:lstStyle/>
+            <a:p>
+              <a:pPr algn="ctr">
+                <a:defRPr>
+                  <a:solidFill>
+                    <a:srgbClr val="666666"/>
+                  </a:solidFill>
+                </a:defRPr>
+              </a:pPr>
+              <a:endParaRPr/>
+            </a:p>
+          </p:txBody>
+        </p:sp>
+        <p:sp>
+          <p:nvSpPr>
+            <p:cNvPr id="153" name="Place any supporting images, graphs, data or extra text here."/>
+            <p:cNvSpPr/>
+            <p:nvPr/>
+          </p:nvSpPr>
+          <p:spPr>
+            <a:xfrm>
+              <a:off x="-1" y="1032933"/>
+              <a:ext cx="3800702" cy="583434"/>
+            </a:xfrm>
+            <a:prstGeom prst="rect">
+              <a:avLst/>
+            </a:prstGeom>
+            <a:noFill/>
+            <a:ln w="12700" cap="flat">
+              <a:noFill/>
+              <a:miter lim="400000"/>
+            </a:ln>
+            <a:effectLst/>
+            <a:extLst>
+              <a:ext uri="{C572A759-6A51-4108-AA02-DFA0A04FC94B}">
+                <ma14:wrappingTextBoxFlag xmlns="" xmlns:ma14="http://schemas.microsoft.com/office/mac/drawingml/2011/main" val="1"/>
+              </a:ext>
+            </a:extLst>
+          </p:spPr>
+          <p:txBody>
+            <a:bodyPr wrap="square" lIns="91424" tIns="91424" rIns="91424" bIns="91424" numCol="1" anchor="ctr">
+              <a:spAutoFit/>
+            </a:bodyPr>
+            <a:lstStyle>
+              <a:lvl1pPr algn="ctr">
+                <a:defRPr>
+                  <a:solidFill>
+                    <a:srgbClr val="666666"/>
+                  </a:solidFill>
+                </a:defRPr>
+              </a:lvl1pPr>
+            </a:lstStyle>
+            <a:p>
+              <a:r>
+                <a:t>Place any supporting images, graphs, data or extra text here.</a:t>
+              </a:r>
+            </a:p>
+          </p:txBody>
+        </p:sp>
+      </p:grpSp>
+      <p:sp>
+        <p:nvSpPr>
+          <p:cNvPr id="155" name="Note: The data and information in this document is reflective of a hypothetical situation and client. This document is to be used for KPMG Virtual Internship purposes only."/>
+          <p:cNvSpPr/>
+          <p:nvPr/>
+        </p:nvSpPr>
+        <p:spPr>
+          <a:xfrm>
+            <a:off x="-6201" y="-6350"/>
+            <a:ext cx="9175601" cy="238700"/>
+          </a:xfrm>
+          <a:prstGeom prst="rect">
+            <a:avLst/>
+          </a:prstGeom>
+          <a:solidFill>
+            <a:schemeClr val="accent3"/>
+          </a:solidFill>
+          <a:ln w="12700">
+            <a:miter lim="400000"/>
+          </a:ln>
+          <a:extLst>
+            <a:ext uri="{C572A759-6A51-4108-AA02-DFA0A04FC94B}">
+              <ma14:wrappingTextBoxFlag xmlns="" xmlns:ma14="http://schemas.microsoft.com/office/mac/drawingml/2011/main" val="1"/>
+            </a:ext>
+          </a:extLst>
+        </p:spPr>
+        <p:txBody>
+          <a:bodyPr lIns="45719" rIns="45719" anchor="ctr"/>
+          <a:lstStyle/>
+          <a:p>
+            <a:pPr defTabSz="457200">
+              <a:defRPr sz="500" b="1">
+                <a:latin typeface="Calibri"/>
+                <a:ea typeface="Calibri"/>
+                <a:cs typeface="Calibri"/>
+                <a:sym typeface="Calibri"/>
+              </a:defRPr>
+            </a:pPr>
+            <a:r>
+              <a:t>       Note: </a:t>
+            </a:r>
+            <a:r>
+              <a:rPr b="0"/>
+              <a:t>The data and information in this document is reflective of a hypothetical situation and client. This document is to be used for KPMG Virtual Internship purposes only. </a:t>
+            </a:r>
+          </a:p>
+        </p:txBody>
+      </p:sp>
+    </p:spTree>
+  </p:cSld>
+  <p:clrMapOvr>
+    <a:masterClrMapping/>
+  </p:clrMapOvr>
+  <p:transition spd="med"/>
+</p:sld>
+</file>
+
+<file path=ppt/slides/slide7.xml><?xml version="1.0" encoding="utf-8"?>
+<p:sld xmlns:a="http://schemas.openxmlformats.org/drawingml/2006/main" xmlns:r="http://schemas.openxmlformats.org/officeDocument/2006/relationships" xmlns:p="http://schemas.openxmlformats.org/presentationml/2006/main">
+  <p:cSld>
+    <p:spTree>
+      <p:nvGrpSpPr>
+        <p:cNvPr id="1" name=""/>
+        <p:cNvGrpSpPr/>
+        <p:nvPr/>
+      </p:nvGrpSpPr>
+      <p:grpSpPr>
+        <a:xfrm>
+          <a:off x="0" y="0"/>
+          <a:ext cx="0" cy="0"/>
+          <a:chOff x="0" y="0"/>
+          <a:chExt cx="0" cy="0"/>
+        </a:xfrm>
+      </p:grpSpPr>
+      <p:sp>
+        <p:nvSpPr>
+          <p:cNvPr id="148" name="Shape 97"/>
+          <p:cNvSpPr/>
+          <p:nvPr/>
+        </p:nvSpPr>
+        <p:spPr>
+          <a:xfrm>
+            <a:off x="-15501" y="-19475"/>
+            <a:ext cx="9191402" cy="840000"/>
+          </a:xfrm>
+          <a:prstGeom prst="rect">
+            <a:avLst/>
+          </a:prstGeom>
+          <a:gradFill>
+            <a:gsLst>
+              <a:gs pos="0">
+                <a:srgbClr val="1077D2"/>
+              </a:gs>
+              <a:gs pos="100000">
+                <a:srgbClr val="093153"/>
+              </a:gs>
+            </a:gsLst>
+            <a:lin ang="12000143"/>
+          </a:gradFill>
+          <a:ln w="12700">
+            <a:miter lim="400000"/>
+          </a:ln>
+        </p:spPr>
+        <p:txBody>
+          <a:bodyPr lIns="45719" rIns="45719" anchor="ctr"/>
+          <a:lstStyle/>
+          <a:p>
+            <a:endParaRPr/>
+          </a:p>
+        </p:txBody>
+      </p:sp>
+      <p:sp>
+        <p:nvSpPr>
+          <p:cNvPr id="149" name="Shape 98"/>
+          <p:cNvSpPr/>
+          <p:nvPr/>
+        </p:nvSpPr>
+        <p:spPr>
+          <a:xfrm>
+            <a:off x="205025" y="263974"/>
+            <a:ext cx="8565600" cy="758742"/>
+          </a:xfrm>
+          <a:prstGeom prst="rect">
+            <a:avLst/>
+          </a:prstGeom>
+          <a:ln w="12700">
+            <a:miter lim="400000"/>
+          </a:ln>
+          <a:extLst>
+            <a:ext uri="{C572A759-6A51-4108-AA02-DFA0A04FC94B}">
               <ma14:wrappingTextBoxFlag xmlns:ma14="http://schemas.microsoft.com/office/mac/drawingml/2011/main" xmlns="" val="1"/>
             </a:ext>
           </a:extLst>
@@ -5172,7 +5541,7 @@
           <a:p>
             <a:r>
               <a:rPr lang="en-GB" dirty="0"/>
-              <a:t>Job industry category</a:t>
+              <a:t>Wealth segments</a:t>
             </a:r>
             <a:endParaRPr dirty="0"/>
           </a:p>
@@ -5186,8 +5555,8 @@
         </p:nvSpPr>
         <p:spPr>
           <a:xfrm>
-            <a:off x="205025" y="2164724"/>
-            <a:ext cx="4134600" cy="1223636"/>
+            <a:off x="205025" y="1789468"/>
+            <a:ext cx="4134600" cy="2816380"/>
           </a:xfrm>
           <a:prstGeom prst="rect">
             <a:avLst/>
@@ -5225,7 +5594,27 @@
             </a:pPr>
             <a:r>
               <a:rPr lang="en-GB" dirty="0"/>
-              <a:t>The industry profile of the new customers are similar to the old customers, except for the first and second place where manufacturing have just overtaken finance.</a:t>
+              <a:t>Across all ages, the number of ‘Mass’ customers makes up the largest group, safe for q3 ages where there is almost an equal number of ‘Affluent’ customers in the new customer groups.</a:t>
+            </a:r>
+          </a:p>
+          <a:p>
+            <a:pPr marL="285750" indent="-285750">
+              <a:buFont typeface="Wingdings" pitchFamily="2" charset="2"/>
+              <a:buChar char="q"/>
+            </a:pPr>
+            <a:r>
+              <a:rPr lang="en-GB" dirty="0"/>
+              <a:t>There are relatively lower proportion of ‘Mass’ customers compared with ‘High Net’ and ‘Affluent’ customers in the new groups.</a:t>
+            </a:r>
+          </a:p>
+          <a:p>
+            <a:pPr marL="285750" indent="-285750">
+              <a:buFont typeface="Wingdings" pitchFamily="2" charset="2"/>
+              <a:buChar char="q"/>
+            </a:pPr>
+            <a:r>
+              <a:rPr lang="en-GB" dirty="0"/>
+              <a:t>We should focus on focus more on the two aforementioned groups. </a:t>
             </a:r>
             <a:endParaRPr dirty="0"/>
           </a:p>
@@ -5381,6 +5770,11 @@
         </p:txBody>
       </p:sp>
     </p:spTree>
+    <p:extLst>
+      <p:ext uri="{BB962C8B-B14F-4D97-AF65-F5344CB8AC3E}">
+        <p14:creationId xmlns:p14="http://schemas.microsoft.com/office/powerpoint/2010/main" val="1156726332"/>
+      </p:ext>
+    </p:extLst>
   </p:cSld>
   <p:clrMapOvr>
     <a:masterClrMapping/>
@@ -5389,7 +5783,7 @@
 </p:sld>
 </file>
 
-<file path=ppt/slides/slide7.xml><?xml version="1.0" encoding="utf-8"?>
+<file path=ppt/slides/slide8.xml><?xml version="1.0" encoding="utf-8"?>
 <p:sld xmlns:a="http://schemas.openxmlformats.org/drawingml/2006/main" xmlns:r="http://schemas.openxmlformats.org/officeDocument/2006/relationships" xmlns:p="http://schemas.openxmlformats.org/presentationml/2006/main">
   <p:cSld>
     <p:spTree>
@@ -5462,7 +5856,7 @@
           </a:ln>
           <a:extLst>
             <a:ext uri="{C572A759-6A51-4108-AA02-DFA0A04FC94B}">
-              <ma14:wrappingTextBoxFlag xmlns="" xmlns:ma14="http://schemas.microsoft.com/office/mac/drawingml/2011/main" val="1"/>
+              <ma14:wrappingTextBoxFlag xmlns:ma14="http://schemas.microsoft.com/office/mac/drawingml/2011/main" xmlns="" val="1"/>
             </a:ext>
           </a:extLst>
         </p:spPr>
@@ -5505,7 +5899,7 @@
           </a:ln>
           <a:extLst>
             <a:ext uri="{C572A759-6A51-4108-AA02-DFA0A04FC94B}">
-              <ma14:wrappingTextBoxFlag xmlns="" xmlns:ma14="http://schemas.microsoft.com/office/mac/drawingml/2011/main" val="1"/>
+              <ma14:wrappingTextBoxFlag xmlns:ma14="http://schemas.microsoft.com/office/mac/drawingml/2011/main" xmlns="" val="1"/>
             </a:ext>
           </a:extLst>
         </p:spPr>
@@ -5529,7 +5923,7 @@
           <a:p>
             <a:r>
               <a:rPr lang="en-GB" dirty="0"/>
-              <a:t>Wealth segments</a:t>
+              <a:t>Numbers of cars owned in each state </a:t>
             </a:r>
             <a:endParaRPr dirty="0"/>
           </a:p>
@@ -5543,8 +5937,8 @@
         </p:nvSpPr>
         <p:spPr>
           <a:xfrm>
-            <a:off x="205025" y="1789468"/>
-            <a:ext cx="4134600" cy="2816380"/>
+            <a:off x="205025" y="2164724"/>
+            <a:ext cx="4134600" cy="2285465"/>
           </a:xfrm>
           <a:prstGeom prst="rect">
             <a:avLst/>
@@ -5554,7 +5948,7 @@
           </a:ln>
           <a:extLst>
             <a:ext uri="{C572A759-6A51-4108-AA02-DFA0A04FC94B}">
-              <ma14:wrappingTextBoxFlag xmlns="" xmlns:ma14="http://schemas.microsoft.com/office/mac/drawingml/2011/main" val="1"/>
+              <ma14:wrappingTextBoxFlag xmlns:ma14="http://schemas.microsoft.com/office/mac/drawingml/2011/main" xmlns="" val="1"/>
             </a:ext>
           </a:extLst>
         </p:spPr>
@@ -5582,7 +5976,7 @@
             </a:pPr>
             <a:r>
               <a:rPr lang="en-GB" dirty="0"/>
-              <a:t>Across all ages, the number of ‘Mass’ customers makes up the largest group, safe for q3 ages where there is almost an equal number of ‘Affluent’ customers in the new customer groups.</a:t>
+              <a:t>NSW has the most number of owned cars, but proportionally has more customers who doesn’t own cars.</a:t>
             </a:r>
           </a:p>
           <a:p>
@@ -5592,7 +5986,7 @@
             </a:pPr>
             <a:r>
               <a:rPr lang="en-GB" dirty="0"/>
-              <a:t>There are relatively lower proportion of ‘Mass’ customers compared with ‘High Net’ and ‘Affluent’ customers in the new groups.</a:t>
+              <a:t>VIC is the next highest in the number of owned cars, and there relatively equal proportion who doesn’t own cars.</a:t>
             </a:r>
           </a:p>
           <a:p>
@@ -5602,7 +5996,7 @@
             </a:pPr>
             <a:r>
               <a:rPr lang="en-GB" dirty="0"/>
-              <a:t>We should focus on focus more on the two aforementioned groups. </a:t>
+              <a:t>QLD has the least number of owned cars, so we could target this state.</a:t>
             </a:r>
             <a:endParaRPr dirty="0"/>
           </a:p>
@@ -5684,7 +6078,7 @@
             <a:effectLst/>
             <a:extLst>
               <a:ext uri="{C572A759-6A51-4108-AA02-DFA0A04FC94B}">
-                <ma14:wrappingTextBoxFlag xmlns="" xmlns:ma14="http://schemas.microsoft.com/office/mac/drawingml/2011/main" val="1"/>
+                <ma14:wrappingTextBoxFlag xmlns:ma14="http://schemas.microsoft.com/office/mac/drawingml/2011/main" xmlns="" val="1"/>
               </a:ext>
             </a:extLst>
           </p:spPr>
@@ -5731,389 +6125,7 @@
           </a:ln>
           <a:extLst>
             <a:ext uri="{C572A759-6A51-4108-AA02-DFA0A04FC94B}">
-              <ma14:wrappingTextBoxFlag xmlns="" xmlns:ma14="http://schemas.microsoft.com/office/mac/drawingml/2011/main" val="1"/>
-            </a:ext>
-          </a:extLst>
-        </p:spPr>
-        <p:txBody>
-          <a:bodyPr lIns="45719" rIns="45719" anchor="ctr"/>
-          <a:lstStyle/>
-          <a:p>
-            <a:pPr defTabSz="457200">
-              <a:defRPr sz="500" b="1">
-                <a:latin typeface="Calibri"/>
-                <a:ea typeface="Calibri"/>
-                <a:cs typeface="Calibri"/>
-                <a:sym typeface="Calibri"/>
-              </a:defRPr>
-            </a:pPr>
-            <a:r>
-              <a:t>       Note: </a:t>
-            </a:r>
-            <a:r>
-              <a:rPr b="0"/>
-              <a:t>The data and information in this document is reflective of a hypothetical situation and client. This document is to be used for KPMG Virtual Internship purposes only. </a:t>
-            </a:r>
-          </a:p>
-        </p:txBody>
-      </p:sp>
-    </p:spTree>
-    <p:extLst>
-      <p:ext uri="{BB962C8B-B14F-4D97-AF65-F5344CB8AC3E}">
-        <p14:creationId xmlns:p14="http://schemas.microsoft.com/office/powerpoint/2010/main" val="1156726332"/>
-      </p:ext>
-    </p:extLst>
-  </p:cSld>
-  <p:clrMapOvr>
-    <a:masterClrMapping/>
-  </p:clrMapOvr>
-  <p:transition spd="med"/>
-</p:sld>
-</file>
-
-<file path=ppt/slides/slide8.xml><?xml version="1.0" encoding="utf-8"?>
-<p:sld xmlns:a="http://schemas.openxmlformats.org/drawingml/2006/main" xmlns:r="http://schemas.openxmlformats.org/officeDocument/2006/relationships" xmlns:p="http://schemas.openxmlformats.org/presentationml/2006/main">
-  <p:cSld>
-    <p:spTree>
-      <p:nvGrpSpPr>
-        <p:cNvPr id="1" name=""/>
-        <p:cNvGrpSpPr/>
-        <p:nvPr/>
-      </p:nvGrpSpPr>
-      <p:grpSpPr>
-        <a:xfrm>
-          <a:off x="0" y="0"/>
-          <a:ext cx="0" cy="0"/>
-          <a:chOff x="0" y="0"/>
-          <a:chExt cx="0" cy="0"/>
-        </a:xfrm>
-      </p:grpSpPr>
-      <p:sp>
-        <p:nvSpPr>
-          <p:cNvPr id="148" name="Shape 97"/>
-          <p:cNvSpPr/>
-          <p:nvPr/>
-        </p:nvSpPr>
-        <p:spPr>
-          <a:xfrm>
-            <a:off x="-15501" y="-19475"/>
-            <a:ext cx="9191402" cy="840000"/>
-          </a:xfrm>
-          <a:prstGeom prst="rect">
-            <a:avLst/>
-          </a:prstGeom>
-          <a:gradFill>
-            <a:gsLst>
-              <a:gs pos="0">
-                <a:srgbClr val="1077D2"/>
-              </a:gs>
-              <a:gs pos="100000">
-                <a:srgbClr val="093153"/>
-              </a:gs>
-            </a:gsLst>
-            <a:lin ang="12000143"/>
-          </a:gradFill>
-          <a:ln w="12700">
-            <a:miter lim="400000"/>
-          </a:ln>
-        </p:spPr>
-        <p:txBody>
-          <a:bodyPr lIns="45719" rIns="45719" anchor="ctr"/>
-          <a:lstStyle/>
-          <a:p>
-            <a:endParaRPr/>
-          </a:p>
-        </p:txBody>
-      </p:sp>
-      <p:sp>
-        <p:nvSpPr>
-          <p:cNvPr id="149" name="Shape 98"/>
-          <p:cNvSpPr/>
-          <p:nvPr/>
-        </p:nvSpPr>
-        <p:spPr>
-          <a:xfrm>
-            <a:off x="205025" y="263974"/>
-            <a:ext cx="8565600" cy="758742"/>
-          </a:xfrm>
-          <a:prstGeom prst="rect">
-            <a:avLst/>
-          </a:prstGeom>
-          <a:ln w="12700">
-            <a:miter lim="400000"/>
-          </a:ln>
-          <a:extLst>
-            <a:ext uri="{C572A759-6A51-4108-AA02-DFA0A04FC94B}">
-              <ma14:wrappingTextBoxFlag xmlns="" xmlns:ma14="http://schemas.microsoft.com/office/mac/drawingml/2011/main" val="1"/>
-            </a:ext>
-          </a:extLst>
-        </p:spPr>
-        <p:txBody>
-          <a:bodyPr lIns="91424" tIns="91424" rIns="91424" bIns="91424">
-            <a:spAutoFit/>
-          </a:bodyPr>
-          <a:lstStyle>
-            <a:lvl1pPr>
-              <a:defRPr sz="2000" b="1">
-                <a:solidFill>
-                  <a:srgbClr val="FFFFFF"/>
-                </a:solidFill>
-              </a:defRPr>
-            </a:lvl1pPr>
-          </a:lstStyle>
-          <a:p>
-            <a:r>
-              <a:t>Interpretation</a:t>
-            </a:r>
-          </a:p>
-        </p:txBody>
-      </p:sp>
-      <p:sp>
-        <p:nvSpPr>
-          <p:cNvPr id="150" name="Shape 99"/>
-          <p:cNvSpPr/>
-          <p:nvPr/>
-        </p:nvSpPr>
-        <p:spPr>
-          <a:xfrm>
-            <a:off x="205025" y="1083299"/>
-            <a:ext cx="8565600" cy="508120"/>
-          </a:xfrm>
-          <a:prstGeom prst="rect">
-            <a:avLst/>
-          </a:prstGeom>
-          <a:ln w="12700">
-            <a:miter lim="400000"/>
-          </a:ln>
-          <a:extLst>
-            <a:ext uri="{C572A759-6A51-4108-AA02-DFA0A04FC94B}">
-              <ma14:wrappingTextBoxFlag xmlns="" xmlns:ma14="http://schemas.microsoft.com/office/mac/drawingml/2011/main" val="1"/>
-            </a:ext>
-          </a:extLst>
-        </p:spPr>
-        <p:txBody>
-          <a:bodyPr lIns="91424" tIns="91424" rIns="91424" bIns="91424">
-            <a:spAutoFit/>
-          </a:bodyPr>
-          <a:lstStyle>
-            <a:lvl1pPr>
-              <a:lnSpc>
-                <a:spcPct val="115000"/>
-              </a:lnSpc>
-              <a:defRPr sz="2000" b="1">
-                <a:latin typeface="Open Sans"/>
-                <a:ea typeface="Open Sans"/>
-                <a:cs typeface="Open Sans"/>
-                <a:sym typeface="Open Sans"/>
-              </a:defRPr>
-            </a:lvl1pPr>
-          </a:lstStyle>
-          <a:p>
-            <a:r>
-              <a:rPr lang="en-GB" dirty="0"/>
-              <a:t>Numbers of cars owned in each state </a:t>
-            </a:r>
-            <a:endParaRPr dirty="0"/>
-          </a:p>
-        </p:txBody>
-      </p:sp>
-      <p:sp>
-        <p:nvSpPr>
-          <p:cNvPr id="151" name="Shape 100"/>
-          <p:cNvSpPr/>
-          <p:nvPr/>
-        </p:nvSpPr>
-        <p:spPr>
-          <a:xfrm>
-            <a:off x="205025" y="2164724"/>
-            <a:ext cx="4134600" cy="2285465"/>
-          </a:xfrm>
-          <a:prstGeom prst="rect">
-            <a:avLst/>
-          </a:prstGeom>
-          <a:ln w="12700">
-            <a:miter lim="400000"/>
-          </a:ln>
-          <a:extLst>
-            <a:ext uri="{C572A759-6A51-4108-AA02-DFA0A04FC94B}">
-              <ma14:wrappingTextBoxFlag xmlns="" xmlns:ma14="http://schemas.microsoft.com/office/mac/drawingml/2011/main" val="1"/>
-            </a:ext>
-          </a:extLst>
-        </p:spPr>
-        <p:txBody>
-          <a:bodyPr lIns="91424" tIns="91424" rIns="91424" bIns="91424">
-            <a:spAutoFit/>
-          </a:bodyPr>
-          <a:lstStyle>
-            <a:lvl1pPr>
-              <a:lnSpc>
-                <a:spcPct val="115000"/>
-              </a:lnSpc>
-              <a:defRPr sz="1500">
-                <a:latin typeface="Open Sans"/>
-                <a:ea typeface="Open Sans"/>
-                <a:cs typeface="Open Sans"/>
-                <a:sym typeface="Open Sans"/>
-              </a:defRPr>
-            </a:lvl1pPr>
-          </a:lstStyle>
-          <a:p>
-            <a:pPr marL="285750" indent="-285750">
-              <a:buFont typeface="Wingdings" pitchFamily="2" charset="2"/>
-              <a:buChar char="q"/>
-            </a:pPr>
-            <a:r>
-              <a:rPr lang="en-GB" dirty="0"/>
-              <a:t>NSW has the most number of owned cars, but proportionally has more customers who doesn’t own cars.</a:t>
-            </a:r>
-          </a:p>
-          <a:p>
-            <a:pPr marL="285750" indent="-285750">
-              <a:buFont typeface="Wingdings" pitchFamily="2" charset="2"/>
-              <a:buChar char="q"/>
-            </a:pPr>
-            <a:r>
-              <a:rPr lang="en-GB" dirty="0"/>
-              <a:t>VIC is the next highest in the number of owned cars, and there relatively equal proportion who doesn’t own cars.</a:t>
-            </a:r>
-          </a:p>
-          <a:p>
-            <a:pPr marL="285750" indent="-285750">
-              <a:buFont typeface="Wingdings" pitchFamily="2" charset="2"/>
-              <a:buChar char="q"/>
-            </a:pPr>
-            <a:r>
-              <a:rPr lang="en-GB" dirty="0"/>
-              <a:t>QLD has the least number of owned cars, so we could target this state.</a:t>
-            </a:r>
-            <a:endParaRPr dirty="0"/>
-          </a:p>
-        </p:txBody>
-      </p:sp>
-      <p:grpSp>
-        <p:nvGrpSpPr>
-          <p:cNvPr id="154" name="Shape 101"/>
-          <p:cNvGrpSpPr/>
-          <p:nvPr/>
-        </p:nvGrpSpPr>
-        <p:grpSpPr>
-          <a:xfrm>
-            <a:off x="4969974" y="2164724"/>
-            <a:ext cx="3800702" cy="2649302"/>
-            <a:chOff x="0" y="0"/>
-            <a:chExt cx="3800700" cy="2649300"/>
-          </a:xfrm>
-        </p:grpSpPr>
-        <p:sp>
-          <p:nvSpPr>
-            <p:cNvPr id="152" name="Rectangle"/>
-            <p:cNvSpPr/>
-            <p:nvPr/>
-          </p:nvSpPr>
-          <p:spPr>
-            <a:xfrm>
-              <a:off x="-1" y="-1"/>
-              <a:ext cx="3800702" cy="2649302"/>
-            </a:xfrm>
-            <a:prstGeom prst="rect">
-              <a:avLst/>
-            </a:prstGeom>
-            <a:solidFill>
-              <a:srgbClr val="EEEEEE"/>
-            </a:solidFill>
-            <a:ln w="12700" cap="flat">
-              <a:noFill/>
-              <a:miter lim="400000"/>
-            </a:ln>
-            <a:effectLst/>
-          </p:spPr>
-          <p:txBody>
-            <a:bodyPr wrap="square" lIns="45719" tIns="45719" rIns="45719" bIns="45719" numCol="1" anchor="ctr">
-              <a:noAutofit/>
-            </a:bodyPr>
-            <a:lstStyle/>
-            <a:p>
-              <a:pPr algn="ctr">
-                <a:defRPr>
-                  <a:solidFill>
-                    <a:srgbClr val="666666"/>
-                  </a:solidFill>
-                </a:defRPr>
-              </a:pPr>
-              <a:endParaRPr/>
-            </a:p>
-          </p:txBody>
-        </p:sp>
-        <p:sp>
-          <p:nvSpPr>
-            <p:cNvPr id="153" name="Place any supporting images, graphs, data or extra text here."/>
-            <p:cNvSpPr/>
-            <p:nvPr/>
-          </p:nvSpPr>
-          <p:spPr>
-            <a:xfrm>
-              <a:off x="-1" y="1032933"/>
-              <a:ext cx="3800702" cy="583434"/>
-            </a:xfrm>
-            <a:prstGeom prst="rect">
-              <a:avLst/>
-            </a:prstGeom>
-            <a:noFill/>
-            <a:ln w="12700" cap="flat">
-              <a:noFill/>
-              <a:miter lim="400000"/>
-            </a:ln>
-            <a:effectLst/>
-            <a:extLst>
-              <a:ext uri="{C572A759-6A51-4108-AA02-DFA0A04FC94B}">
-                <ma14:wrappingTextBoxFlag xmlns="" xmlns:ma14="http://schemas.microsoft.com/office/mac/drawingml/2011/main" val="1"/>
-              </a:ext>
-            </a:extLst>
-          </p:spPr>
-          <p:txBody>
-            <a:bodyPr wrap="square" lIns="91424" tIns="91424" rIns="91424" bIns="91424" numCol="1" anchor="ctr">
-              <a:spAutoFit/>
-            </a:bodyPr>
-            <a:lstStyle>
-              <a:lvl1pPr algn="ctr">
-                <a:defRPr>
-                  <a:solidFill>
-                    <a:srgbClr val="666666"/>
-                  </a:solidFill>
-                </a:defRPr>
-              </a:lvl1pPr>
-            </a:lstStyle>
-            <a:p>
-              <a:r>
-                <a:t>Place any supporting images, graphs, data or extra text here.</a:t>
-              </a:r>
-            </a:p>
-          </p:txBody>
-        </p:sp>
-      </p:grpSp>
-      <p:sp>
-        <p:nvSpPr>
-          <p:cNvPr id="155" name="Note: The data and information in this document is reflective of a hypothetical situation and client. This document is to be used for KPMG Virtual Internship purposes only."/>
-          <p:cNvSpPr/>
-          <p:nvPr/>
-        </p:nvSpPr>
-        <p:spPr>
-          <a:xfrm>
-            <a:off x="-6201" y="-6350"/>
-            <a:ext cx="9175601" cy="238700"/>
-          </a:xfrm>
-          <a:prstGeom prst="rect">
-            <a:avLst/>
-          </a:prstGeom>
-          <a:solidFill>
-            <a:schemeClr val="accent3"/>
-          </a:solidFill>
-          <a:ln w="12700">
-            <a:miter lim="400000"/>
-          </a:ln>
-          <a:extLst>
-            <a:ext uri="{C572A759-6A51-4108-AA02-DFA0A04FC94B}">
-              <ma14:wrappingTextBoxFlag xmlns="" xmlns:ma14="http://schemas.microsoft.com/office/mac/drawingml/2011/main" val="1"/>
+              <ma14:wrappingTextBoxFlag xmlns:ma14="http://schemas.microsoft.com/office/mac/drawingml/2011/main" xmlns="" val="1"/>
             </a:ext>
           </a:extLst>
         </p:spPr>
@@ -6263,7 +6275,7 @@
           </a:ln>
           <a:extLst>
             <a:ext uri="{C572A759-6A51-4108-AA02-DFA0A04FC94B}">
-              <ma14:wrappingTextBoxFlag xmlns:ma14="http://schemas.microsoft.com/office/mac/drawingml/2011/main" xmlns="" val="1"/>
+              <ma14:wrappingTextBoxFlag xmlns="" xmlns:ma14="http://schemas.microsoft.com/office/mac/drawingml/2011/main" val="1"/>
             </a:ext>
           </a:extLst>
         </p:spPr>
@@ -6313,7 +6325,7 @@
           </a:ln>
           <a:extLst>
             <a:ext uri="{C572A759-6A51-4108-AA02-DFA0A04FC94B}">
-              <ma14:wrappingTextBoxFlag xmlns:ma14="http://schemas.microsoft.com/office/mac/drawingml/2011/main" xmlns="" val="1"/>
+              <ma14:wrappingTextBoxFlag xmlns="" xmlns:ma14="http://schemas.microsoft.com/office/mac/drawingml/2011/main" val="1"/>
             </a:ext>
           </a:extLst>
         </p:spPr>

--- a/2.Data_Insights/Module_2_my_slide.pptx
+++ b/2.Data_Insights/Module_2_my_slide.pptx
@@ -2084,7 +2084,7 @@
           </a:ln>
           <a:extLst>
             <a:ext uri="{C572A759-6A51-4108-AA02-DFA0A04FC94B}">
-              <ma14:wrappingTextBoxFlag xmlns="" xmlns:ma14="http://schemas.microsoft.com/office/mac/drawingml/2011/main" val="1"/>
+              <ma14:wrappingTextBoxFlag xmlns:ma14="http://schemas.microsoft.com/office/mac/drawingml/2011/main" xmlns="" val="1"/>
             </a:ext>
           </a:extLst>
         </p:spPr>
@@ -2123,7 +2123,7 @@
           </a:ln>
           <a:extLst>
             <a:ext uri="{C572A759-6A51-4108-AA02-DFA0A04FC94B}">
-              <ma14:wrappingTextBoxFlag xmlns="" xmlns:ma14="http://schemas.microsoft.com/office/mac/drawingml/2011/main" val="1"/>
+              <ma14:wrappingTextBoxFlag xmlns:ma14="http://schemas.microsoft.com/office/mac/drawingml/2011/main" xmlns="" val="1"/>
             </a:ext>
           </a:extLst>
         </p:spPr>
@@ -3183,7 +3183,7 @@
           </a:ln>
           <a:extLst>
             <a:ext uri="{C572A759-6A51-4108-AA02-DFA0A04FC94B}">
-              <ma14:wrappingTextBoxFlag xmlns="" xmlns:ma14="http://schemas.microsoft.com/office/mac/drawingml/2011/main" val="1"/>
+              <ma14:wrappingTextBoxFlag xmlns:ma14="http://schemas.microsoft.com/office/mac/drawingml/2011/main" xmlns="" val="1"/>
             </a:ext>
           </a:extLst>
         </p:spPr>
@@ -3230,7 +3230,7 @@
           </a:ln>
           <a:extLst>
             <a:ext uri="{C572A759-6A51-4108-AA02-DFA0A04FC94B}">
-              <ma14:wrappingTextBoxFlag xmlns="" xmlns:ma14="http://schemas.microsoft.com/office/mac/drawingml/2011/main" val="1"/>
+              <ma14:wrappingTextBoxFlag xmlns:ma14="http://schemas.microsoft.com/office/mac/drawingml/2011/main" xmlns="" val="1"/>
             </a:ext>
           </a:extLst>
         </p:spPr>
@@ -3304,7 +3304,7 @@
           </a:ln>
           <a:extLst>
             <a:ext uri="{C572A759-6A51-4108-AA02-DFA0A04FC94B}">
-              <ma14:wrappingTextBoxFlag xmlns="" xmlns:ma14="http://schemas.microsoft.com/office/mac/drawingml/2011/main" val="1"/>
+              <ma14:wrappingTextBoxFlag xmlns:ma14="http://schemas.microsoft.com/office/mac/drawingml/2011/main" xmlns="" val="1"/>
             </a:ext>
           </a:extLst>
         </p:spPr>
@@ -3354,7 +3354,7 @@
           </a:ln>
           <a:extLst>
             <a:ext uri="{C572A759-6A51-4108-AA02-DFA0A04FC94B}">
-              <ma14:wrappingTextBoxFlag xmlns="" xmlns:ma14="http://schemas.microsoft.com/office/mac/drawingml/2011/main" val="1"/>
+              <ma14:wrappingTextBoxFlag xmlns:ma14="http://schemas.microsoft.com/office/mac/drawingml/2011/main" xmlns="" val="1"/>
             </a:ext>
           </a:extLst>
         </p:spPr>
@@ -3462,7 +3462,7 @@
           </a:ln>
           <a:extLst>
             <a:ext uri="{C572A759-6A51-4108-AA02-DFA0A04FC94B}">
-              <ma14:wrappingTextBoxFlag xmlns="" xmlns:ma14="http://schemas.microsoft.com/office/mac/drawingml/2011/main" val="1"/>
+              <ma14:wrappingTextBoxFlag xmlns:ma14="http://schemas.microsoft.com/office/mac/drawingml/2011/main" xmlns="" val="1"/>
             </a:ext>
           </a:extLst>
         </p:spPr>
@@ -3505,7 +3505,7 @@
           </a:ln>
           <a:extLst>
             <a:ext uri="{C572A759-6A51-4108-AA02-DFA0A04FC94B}">
-              <ma14:wrappingTextBoxFlag xmlns="" xmlns:ma14="http://schemas.microsoft.com/office/mac/drawingml/2011/main" val="1"/>
+              <ma14:wrappingTextBoxFlag xmlns:ma14="http://schemas.microsoft.com/office/mac/drawingml/2011/main" xmlns="" val="1"/>
             </a:ext>
           </a:extLst>
         </p:spPr>
@@ -3559,7 +3559,7 @@
           </a:ln>
           <a:extLst>
             <a:ext uri="{C572A759-6A51-4108-AA02-DFA0A04FC94B}">
-              <ma14:wrappingTextBoxFlag xmlns="" xmlns:ma14="http://schemas.microsoft.com/office/mac/drawingml/2011/main" val="1"/>
+              <ma14:wrappingTextBoxFlag xmlns:ma14="http://schemas.microsoft.com/office/mac/drawingml/2011/main" xmlns="" val="1"/>
             </a:ext>
           </a:extLst>
         </p:spPr>
@@ -3667,7 +3667,7 @@
           </a:ln>
           <a:extLst>
             <a:ext uri="{C572A759-6A51-4108-AA02-DFA0A04FC94B}">
-              <ma14:wrappingTextBoxFlag xmlns="" xmlns:ma14="http://schemas.microsoft.com/office/mac/drawingml/2011/main" val="1"/>
+              <ma14:wrappingTextBoxFlag xmlns:ma14="http://schemas.microsoft.com/office/mac/drawingml/2011/main" xmlns="" val="1"/>
             </a:ext>
           </a:extLst>
         </p:spPr>
@@ -3710,7 +3710,7 @@
           </a:ln>
           <a:extLst>
             <a:ext uri="{C572A759-6A51-4108-AA02-DFA0A04FC94B}">
-              <ma14:wrappingTextBoxFlag xmlns="" xmlns:ma14="http://schemas.microsoft.com/office/mac/drawingml/2011/main" val="1"/>
+              <ma14:wrappingTextBoxFlag xmlns:ma14="http://schemas.microsoft.com/office/mac/drawingml/2011/main" xmlns="" val="1"/>
             </a:ext>
           </a:extLst>
         </p:spPr>
@@ -3846,7 +3846,7 @@
           </a:ln>
           <a:extLst>
             <a:ext uri="{C572A759-6A51-4108-AA02-DFA0A04FC94B}">
-              <ma14:wrappingTextBoxFlag xmlns="" xmlns:ma14="http://schemas.microsoft.com/office/mac/drawingml/2011/main" val="1"/>
+              <ma14:wrappingTextBoxFlag xmlns:ma14="http://schemas.microsoft.com/office/mac/drawingml/2011/main" xmlns="" val="1"/>
             </a:ext>
           </a:extLst>
         </p:spPr>
@@ -3954,7 +3954,7 @@
           </a:ln>
           <a:extLst>
             <a:ext uri="{C572A759-6A51-4108-AA02-DFA0A04FC94B}">
-              <ma14:wrappingTextBoxFlag xmlns="" xmlns:ma14="http://schemas.microsoft.com/office/mac/drawingml/2011/main" val="1"/>
+              <ma14:wrappingTextBoxFlag xmlns:ma14="http://schemas.microsoft.com/office/mac/drawingml/2011/main" xmlns="" val="1"/>
             </a:ext>
           </a:extLst>
         </p:spPr>
@@ -3997,7 +3997,7 @@
           </a:ln>
           <a:extLst>
             <a:ext uri="{C572A759-6A51-4108-AA02-DFA0A04FC94B}">
-              <ma14:wrappingTextBoxFlag xmlns="" xmlns:ma14="http://schemas.microsoft.com/office/mac/drawingml/2011/main" val="1"/>
+              <ma14:wrappingTextBoxFlag xmlns:ma14="http://schemas.microsoft.com/office/mac/drawingml/2011/main" xmlns="" val="1"/>
             </a:ext>
           </a:extLst>
         </p:spPr>
@@ -4046,7 +4046,7 @@
           </a:ln>
           <a:extLst>
             <a:ext uri="{C572A759-6A51-4108-AA02-DFA0A04FC94B}">
-              <ma14:wrappingTextBoxFlag xmlns="" xmlns:ma14="http://schemas.microsoft.com/office/mac/drawingml/2011/main" val="1"/>
+              <ma14:wrappingTextBoxFlag xmlns:ma14="http://schemas.microsoft.com/office/mac/drawingml/2011/main" xmlns="" val="1"/>
             </a:ext>
           </a:extLst>
         </p:spPr>
@@ -4201,7 +4201,7 @@
             <a:effectLst/>
             <a:extLst>
               <a:ext uri="{C572A759-6A51-4108-AA02-DFA0A04FC94B}">
-                <ma14:wrappingTextBoxFlag xmlns="" xmlns:ma14="http://schemas.microsoft.com/office/mac/drawingml/2011/main" val="1"/>
+                <ma14:wrappingTextBoxFlag xmlns:ma14="http://schemas.microsoft.com/office/mac/drawingml/2011/main" xmlns="" val="1"/>
               </a:ext>
             </a:extLst>
           </p:spPr>
@@ -4249,7 +4249,7 @@
           </a:ln>
           <a:extLst>
             <a:ext uri="{C572A759-6A51-4108-AA02-DFA0A04FC94B}">
-              <ma14:wrappingTextBoxFlag xmlns="" xmlns:ma14="http://schemas.microsoft.com/office/mac/drawingml/2011/main" val="1"/>
+              <ma14:wrappingTextBoxFlag xmlns:ma14="http://schemas.microsoft.com/office/mac/drawingml/2011/main" xmlns="" val="1"/>
             </a:ext>
           </a:extLst>
         </p:spPr>
@@ -4357,7 +4357,7 @@
           </a:ln>
           <a:extLst>
             <a:ext uri="{C572A759-6A51-4108-AA02-DFA0A04FC94B}">
-              <ma14:wrappingTextBoxFlag xmlns="" xmlns:ma14="http://schemas.microsoft.com/office/mac/drawingml/2011/main" val="1"/>
+              <ma14:wrappingTextBoxFlag xmlns:ma14="http://schemas.microsoft.com/office/mac/drawingml/2011/main" xmlns="" val="1"/>
             </a:ext>
           </a:extLst>
         </p:spPr>
@@ -4400,7 +4400,7 @@
           </a:ln>
           <a:extLst>
             <a:ext uri="{C572A759-6A51-4108-AA02-DFA0A04FC94B}">
-              <ma14:wrappingTextBoxFlag xmlns="" xmlns:ma14="http://schemas.microsoft.com/office/mac/drawingml/2011/main" val="1"/>
+              <ma14:wrappingTextBoxFlag xmlns:ma14="http://schemas.microsoft.com/office/mac/drawingml/2011/main" xmlns="" val="1"/>
             </a:ext>
           </a:extLst>
         </p:spPr>
@@ -4449,7 +4449,7 @@
           </a:ln>
           <a:extLst>
             <a:ext uri="{C572A759-6A51-4108-AA02-DFA0A04FC94B}">
-              <ma14:wrappingTextBoxFlag xmlns="" xmlns:ma14="http://schemas.microsoft.com/office/mac/drawingml/2011/main" val="1"/>
+              <ma14:wrappingTextBoxFlag xmlns:ma14="http://schemas.microsoft.com/office/mac/drawingml/2011/main" xmlns="" val="1"/>
             </a:ext>
           </a:extLst>
         </p:spPr>
@@ -4487,7 +4487,7 @@
             </a:pPr>
             <a:r>
               <a:rPr lang="en-GB" dirty="0"/>
-              <a:t>Most new customers are in the age group 25-48 years old.</a:t>
+              <a:t>There are fewer customers in the age group 25-44 years old.</a:t>
             </a:r>
           </a:p>
           <a:p>
@@ -4497,7 +4497,7 @@
             </a:pPr>
             <a:r>
               <a:rPr lang="en-GB" dirty="0"/>
-              <a:t>There are fewer customers in the age group 48 – 59 years old.</a:t>
+              <a:t>Most new customers are in the age group 45-64 years old.</a:t>
             </a:r>
           </a:p>
           <a:p>
@@ -4507,112 +4507,11 @@
             </a:pPr>
             <a:r>
               <a:rPr lang="en-GB" dirty="0"/>
-              <a:t>There are more customers in the age group &gt;59.</a:t>
+              <a:t>There are much more customers in the age group &gt;=65.</a:t>
             </a:r>
           </a:p>
         </p:txBody>
       </p:sp>
-      <p:grpSp>
-        <p:nvGrpSpPr>
-          <p:cNvPr id="136" name="Shape 83"/>
-          <p:cNvGrpSpPr/>
-          <p:nvPr/>
-        </p:nvGrpSpPr>
-        <p:grpSpPr>
-          <a:xfrm>
-            <a:off x="4969974" y="2164724"/>
-            <a:ext cx="3800702" cy="2649302"/>
-            <a:chOff x="0" y="0"/>
-            <a:chExt cx="3800700" cy="2649300"/>
-          </a:xfrm>
-        </p:grpSpPr>
-        <p:sp>
-          <p:nvSpPr>
-            <p:cNvPr id="134" name="Rectangle"/>
-            <p:cNvSpPr/>
-            <p:nvPr/>
-          </p:nvSpPr>
-          <p:spPr>
-            <a:xfrm>
-              <a:off x="-1" y="-1"/>
-              <a:ext cx="3800702" cy="2649302"/>
-            </a:xfrm>
-            <a:prstGeom prst="rect">
-              <a:avLst/>
-            </a:prstGeom>
-            <a:solidFill>
-              <a:srgbClr val="EEEEEE"/>
-            </a:solidFill>
-            <a:ln w="12700" cap="flat">
-              <a:noFill/>
-              <a:miter lim="400000"/>
-            </a:ln>
-            <a:effectLst/>
-          </p:spPr>
-          <p:txBody>
-            <a:bodyPr wrap="square" lIns="45719" tIns="45719" rIns="45719" bIns="45719" numCol="1" anchor="ctr">
-              <a:noAutofit/>
-            </a:bodyPr>
-            <a:lstStyle/>
-            <a:p>
-              <a:pPr algn="ctr">
-                <a:defRPr>
-                  <a:solidFill>
-                    <a:srgbClr val="666666"/>
-                  </a:solidFill>
-                </a:defRPr>
-              </a:pPr>
-              <a:endParaRPr/>
-            </a:p>
-          </p:txBody>
-        </p:sp>
-        <p:sp>
-          <p:nvSpPr>
-            <p:cNvPr id="135" name="Place any supporting images, graphs, data or extra text here."/>
-            <p:cNvSpPr/>
-            <p:nvPr/>
-          </p:nvSpPr>
-          <p:spPr>
-            <a:xfrm>
-              <a:off x="-1" y="1032933"/>
-              <a:ext cx="3800702" cy="583434"/>
-            </a:xfrm>
-            <a:prstGeom prst="rect">
-              <a:avLst/>
-            </a:prstGeom>
-            <a:noFill/>
-            <a:ln w="12700" cap="flat">
-              <a:noFill/>
-              <a:miter lim="400000"/>
-            </a:ln>
-            <a:effectLst/>
-            <a:extLst>
-              <a:ext uri="{C572A759-6A51-4108-AA02-DFA0A04FC94B}">
-                <ma14:wrappingTextBoxFlag xmlns="" xmlns:ma14="http://schemas.microsoft.com/office/mac/drawingml/2011/main" val="1"/>
-              </a:ext>
-            </a:extLst>
-          </p:spPr>
-          <p:txBody>
-            <a:bodyPr wrap="square" lIns="91424" tIns="91424" rIns="91424" bIns="91424" numCol="1" anchor="ctr">
-              <a:spAutoFit/>
-            </a:bodyPr>
-            <a:lstStyle>
-              <a:lvl1pPr algn="ctr">
-                <a:defRPr>
-                  <a:solidFill>
-                    <a:srgbClr val="666666"/>
-                  </a:solidFill>
-                </a:defRPr>
-              </a:lvl1pPr>
-            </a:lstStyle>
-            <a:p>
-              <a:r>
-                <a:t>Place any supporting images, graphs, data or extra text here.</a:t>
-              </a:r>
-            </a:p>
-          </p:txBody>
-        </p:sp>
-      </p:grpSp>
       <p:sp>
         <p:nvSpPr>
           <p:cNvPr id="137" name="Note: The data and information in this document is reflective of a hypothetical situation and client. This document is to be used for KPMG Virtual Internship purposes only."/>
@@ -4635,7 +4534,7 @@
           </a:ln>
           <a:extLst>
             <a:ext uri="{C572A759-6A51-4108-AA02-DFA0A04FC94B}">
-              <ma14:wrappingTextBoxFlag xmlns="" xmlns:ma14="http://schemas.microsoft.com/office/mac/drawingml/2011/main" val="1"/>
+              <ma14:wrappingTextBoxFlag xmlns:ma14="http://schemas.microsoft.com/office/mac/drawingml/2011/main" xmlns="" val="1"/>
             </a:ext>
           </a:extLst>
         </p:spPr>
@@ -4661,6 +4560,78 @@
           </a:p>
         </p:txBody>
       </p:sp>
+      <p:pic>
+        <p:nvPicPr>
+          <p:cNvPr id="7" name="Picture 6" descr="Chart, histogram&#10;&#10;Description automatically generated">
+            <a:extLst>
+              <a:ext uri="{FF2B5EF4-FFF2-40B4-BE49-F238E27FC236}">
+                <a16:creationId xmlns:a16="http://schemas.microsoft.com/office/drawing/2014/main" id="{5FAFD566-02D0-E442-9D07-D0AA3535458E}"/>
+              </a:ext>
+            </a:extLst>
+          </p:cNvPr>
+          <p:cNvPicPr>
+            <a:picLocks noChangeAspect="1"/>
+          </p:cNvPicPr>
+          <p:nvPr/>
+        </p:nvPicPr>
+        <p:blipFill>
+          <a:blip r:embed="rId2">
+            <a:extLst>
+              <a:ext uri="{28A0092B-C50C-407E-A947-70E740481C1C}">
+                <a14:useLocalDpi xmlns:a14="http://schemas.microsoft.com/office/drawing/2010/main" val="0"/>
+              </a:ext>
+            </a:extLst>
+          </a:blip>
+          <a:stretch>
+            <a:fillRect/>
+          </a:stretch>
+        </p:blipFill>
+        <p:spPr>
+          <a:xfrm>
+            <a:off x="4868763" y="644528"/>
+            <a:ext cx="3822705" cy="2548470"/>
+          </a:xfrm>
+          <a:prstGeom prst="rect">
+            <a:avLst/>
+          </a:prstGeom>
+        </p:spPr>
+      </p:pic>
+      <p:pic>
+        <p:nvPicPr>
+          <p:cNvPr id="9" name="Picture 8" descr="Chart, histogram&#10;&#10;Description automatically generated">
+            <a:extLst>
+              <a:ext uri="{FF2B5EF4-FFF2-40B4-BE49-F238E27FC236}">
+                <a16:creationId xmlns:a16="http://schemas.microsoft.com/office/drawing/2014/main" id="{67503404-FA3E-0441-9CFA-7749B675BE6C}"/>
+              </a:ext>
+            </a:extLst>
+          </p:cNvPr>
+          <p:cNvPicPr>
+            <a:picLocks noChangeAspect="1"/>
+          </p:cNvPicPr>
+          <p:nvPr/>
+        </p:nvPicPr>
+        <p:blipFill>
+          <a:blip r:embed="rId3">
+            <a:extLst>
+              <a:ext uri="{28A0092B-C50C-407E-A947-70E740481C1C}">
+                <a14:useLocalDpi xmlns:a14="http://schemas.microsoft.com/office/drawing/2010/main" val="0"/>
+              </a:ext>
+            </a:extLst>
+          </a:blip>
+          <a:stretch>
+            <a:fillRect/>
+          </a:stretch>
+        </p:blipFill>
+        <p:spPr>
+          <a:xfrm>
+            <a:off x="4868763" y="2785966"/>
+            <a:ext cx="3822705" cy="2548470"/>
+          </a:xfrm>
+          <a:prstGeom prst="rect">
+            <a:avLst/>
+          </a:prstGeom>
+        </p:spPr>
+      </p:pic>
     </p:spTree>
   </p:cSld>
   <p:clrMapOvr>
@@ -4743,7 +4714,7 @@
           </a:ln>
           <a:extLst>
             <a:ext uri="{C572A759-6A51-4108-AA02-DFA0A04FC94B}">
-              <ma14:wrappingTextBoxFlag xmlns="" xmlns:ma14="http://schemas.microsoft.com/office/mac/drawingml/2011/main" val="1"/>
+              <ma14:wrappingTextBoxFlag xmlns:ma14="http://schemas.microsoft.com/office/mac/drawingml/2011/main" xmlns="" val="1"/>
             </a:ext>
           </a:extLst>
         </p:spPr>
@@ -4786,7 +4757,7 @@
           </a:ln>
           <a:extLst>
             <a:ext uri="{C572A759-6A51-4108-AA02-DFA0A04FC94B}">
-              <ma14:wrappingTextBoxFlag xmlns="" xmlns:ma14="http://schemas.microsoft.com/office/mac/drawingml/2011/main" val="1"/>
+              <ma14:wrappingTextBoxFlag xmlns:ma14="http://schemas.microsoft.com/office/mac/drawingml/2011/main" xmlns="" val="1"/>
             </a:ext>
           </a:extLst>
         </p:spPr>
@@ -4825,7 +4796,7 @@
         <p:spPr>
           <a:xfrm>
             <a:off x="205025" y="2164724"/>
-            <a:ext cx="4134600" cy="2816380"/>
+            <a:ext cx="4134600" cy="2550922"/>
           </a:xfrm>
           <a:prstGeom prst="rect">
             <a:avLst/>
@@ -4835,7 +4806,7 @@
           </a:ln>
           <a:extLst>
             <a:ext uri="{C572A759-6A51-4108-AA02-DFA0A04FC94B}">
-              <ma14:wrappingTextBoxFlag xmlns="" xmlns:ma14="http://schemas.microsoft.com/office/mac/drawingml/2011/main" val="1"/>
+              <ma14:wrappingTextBoxFlag xmlns:ma14="http://schemas.microsoft.com/office/mac/drawingml/2011/main" xmlns="" val="1"/>
             </a:ext>
           </a:extLst>
         </p:spPr>
@@ -4880,113 +4851,12 @@
             </a:pPr>
             <a:r>
               <a:rPr lang="en-GB" dirty="0"/>
-              <a:t>The difference between the two group is small, so depending on the marketing strategy, you could either try to attract more male buyers or focus on female retention rates.</a:t>
+              <a:t>The distribution the two group very similar, so depending on the marketing strategy, you could either try to attract more male buyers or focus on female retention rates.</a:t>
             </a:r>
             <a:endParaRPr dirty="0"/>
           </a:p>
         </p:txBody>
       </p:sp>
-      <p:grpSp>
-        <p:nvGrpSpPr>
-          <p:cNvPr id="145" name="Shape 92"/>
-          <p:cNvGrpSpPr/>
-          <p:nvPr/>
-        </p:nvGrpSpPr>
-        <p:grpSpPr>
-          <a:xfrm>
-            <a:off x="4969974" y="2164724"/>
-            <a:ext cx="3800702" cy="2649302"/>
-            <a:chOff x="0" y="0"/>
-            <a:chExt cx="3800700" cy="2649300"/>
-          </a:xfrm>
-        </p:grpSpPr>
-        <p:sp>
-          <p:nvSpPr>
-            <p:cNvPr id="143" name="Rectangle"/>
-            <p:cNvSpPr/>
-            <p:nvPr/>
-          </p:nvSpPr>
-          <p:spPr>
-            <a:xfrm>
-              <a:off x="-1" y="-1"/>
-              <a:ext cx="3800702" cy="2649302"/>
-            </a:xfrm>
-            <a:prstGeom prst="rect">
-              <a:avLst/>
-            </a:prstGeom>
-            <a:solidFill>
-              <a:srgbClr val="EEEEEE"/>
-            </a:solidFill>
-            <a:ln w="12700" cap="flat">
-              <a:noFill/>
-              <a:miter lim="400000"/>
-            </a:ln>
-            <a:effectLst/>
-          </p:spPr>
-          <p:txBody>
-            <a:bodyPr wrap="square" lIns="45719" tIns="45719" rIns="45719" bIns="45719" numCol="1" anchor="ctr">
-              <a:noAutofit/>
-            </a:bodyPr>
-            <a:lstStyle/>
-            <a:p>
-              <a:pPr algn="ctr">
-                <a:defRPr>
-                  <a:solidFill>
-                    <a:srgbClr val="666666"/>
-                  </a:solidFill>
-                </a:defRPr>
-              </a:pPr>
-              <a:endParaRPr/>
-            </a:p>
-          </p:txBody>
-        </p:sp>
-        <p:sp>
-          <p:nvSpPr>
-            <p:cNvPr id="144" name="Place any supporting images, graphs, data or extra text here."/>
-            <p:cNvSpPr/>
-            <p:nvPr/>
-          </p:nvSpPr>
-          <p:spPr>
-            <a:xfrm>
-              <a:off x="-1" y="1032933"/>
-              <a:ext cx="3800702" cy="583434"/>
-            </a:xfrm>
-            <a:prstGeom prst="rect">
-              <a:avLst/>
-            </a:prstGeom>
-            <a:noFill/>
-            <a:ln w="12700" cap="flat">
-              <a:noFill/>
-              <a:miter lim="400000"/>
-            </a:ln>
-            <a:effectLst/>
-            <a:extLst>
-              <a:ext uri="{C572A759-6A51-4108-AA02-DFA0A04FC94B}">
-                <ma14:wrappingTextBoxFlag xmlns="" xmlns:ma14="http://schemas.microsoft.com/office/mac/drawingml/2011/main" val="1"/>
-              </a:ext>
-            </a:extLst>
-          </p:spPr>
-          <p:txBody>
-            <a:bodyPr wrap="square" lIns="91424" tIns="91424" rIns="91424" bIns="91424" numCol="1" anchor="ctr">
-              <a:spAutoFit/>
-            </a:bodyPr>
-            <a:lstStyle>
-              <a:lvl1pPr algn="ctr">
-                <a:defRPr>
-                  <a:solidFill>
-                    <a:srgbClr val="666666"/>
-                  </a:solidFill>
-                </a:defRPr>
-              </a:lvl1pPr>
-            </a:lstStyle>
-            <a:p>
-              <a:r>
-                <a:t>Place any supporting images, graphs, data or extra text here.</a:t>
-              </a:r>
-            </a:p>
-          </p:txBody>
-        </p:sp>
-      </p:grpSp>
       <p:sp>
         <p:nvSpPr>
           <p:cNvPr id="146" name="Note: The data and information in this document is reflective of a hypothetical situation and client. This document is to be used for KPMG Virtual Internship purposes only."/>
@@ -5009,7 +4879,7 @@
           </a:ln>
           <a:extLst>
             <a:ext uri="{C572A759-6A51-4108-AA02-DFA0A04FC94B}">
-              <ma14:wrappingTextBoxFlag xmlns="" xmlns:ma14="http://schemas.microsoft.com/office/mac/drawingml/2011/main" val="1"/>
+              <ma14:wrappingTextBoxFlag xmlns:ma14="http://schemas.microsoft.com/office/mac/drawingml/2011/main" xmlns="" val="1"/>
             </a:ext>
           </a:extLst>
         </p:spPr>
@@ -5035,6 +4905,78 @@
           </a:p>
         </p:txBody>
       </p:sp>
+      <p:pic>
+        <p:nvPicPr>
+          <p:cNvPr id="3" name="Picture 2" descr="A picture containing bar chart&#10;&#10;Description automatically generated">
+            <a:extLst>
+              <a:ext uri="{FF2B5EF4-FFF2-40B4-BE49-F238E27FC236}">
+                <a16:creationId xmlns:a16="http://schemas.microsoft.com/office/drawing/2014/main" id="{5EE65892-AE8F-094C-BCA6-BE2D31EFABE9}"/>
+              </a:ext>
+            </a:extLst>
+          </p:cNvPr>
+          <p:cNvPicPr>
+            <a:picLocks noChangeAspect="1"/>
+          </p:cNvPicPr>
+          <p:nvPr/>
+        </p:nvPicPr>
+        <p:blipFill>
+          <a:blip r:embed="rId2">
+            <a:extLst>
+              <a:ext uri="{28A0092B-C50C-407E-A947-70E740481C1C}">
+                <a14:useLocalDpi xmlns:a14="http://schemas.microsoft.com/office/drawing/2010/main" val="0"/>
+              </a:ext>
+            </a:extLst>
+          </a:blip>
+          <a:stretch>
+            <a:fillRect/>
+          </a:stretch>
+        </p:blipFill>
+        <p:spPr>
+          <a:xfrm>
+            <a:off x="4204447" y="2164724"/>
+            <a:ext cx="2245911" cy="2245911"/>
+          </a:xfrm>
+          <a:prstGeom prst="rect">
+            <a:avLst/>
+          </a:prstGeom>
+        </p:spPr>
+      </p:pic>
+      <p:pic>
+        <p:nvPicPr>
+          <p:cNvPr id="5" name="Picture 4" descr="A picture containing qr code&#10;&#10;Description automatically generated">
+            <a:extLst>
+              <a:ext uri="{FF2B5EF4-FFF2-40B4-BE49-F238E27FC236}">
+                <a16:creationId xmlns:a16="http://schemas.microsoft.com/office/drawing/2014/main" id="{ADA66735-0A0F-4943-89C0-F64DBF8F5CF9}"/>
+              </a:ext>
+            </a:extLst>
+          </p:cNvPr>
+          <p:cNvPicPr>
+            <a:picLocks noChangeAspect="1"/>
+          </p:cNvPicPr>
+          <p:nvPr/>
+        </p:nvPicPr>
+        <p:blipFill>
+          <a:blip r:embed="rId3">
+            <a:extLst>
+              <a:ext uri="{28A0092B-C50C-407E-A947-70E740481C1C}">
+                <a14:useLocalDpi xmlns:a14="http://schemas.microsoft.com/office/drawing/2010/main" val="0"/>
+              </a:ext>
+            </a:extLst>
+          </a:blip>
+          <a:stretch>
+            <a:fillRect/>
+          </a:stretch>
+        </p:blipFill>
+        <p:spPr>
+          <a:xfrm>
+            <a:off x="6693064" y="2164724"/>
+            <a:ext cx="2245911" cy="2245911"/>
+          </a:xfrm>
+          <a:prstGeom prst="rect">
+            <a:avLst/>
+          </a:prstGeom>
+        </p:spPr>
+      </p:pic>
     </p:spTree>
   </p:cSld>
   <p:clrMapOvr>
@@ -5117,7 +5059,7 @@
           </a:ln>
           <a:extLst>
             <a:ext uri="{C572A759-6A51-4108-AA02-DFA0A04FC94B}">
-              <ma14:wrappingTextBoxFlag xmlns="" xmlns:ma14="http://schemas.microsoft.com/office/mac/drawingml/2011/main" val="1"/>
+              <ma14:wrappingTextBoxFlag xmlns:ma14="http://schemas.microsoft.com/office/mac/drawingml/2011/main" xmlns="" val="1"/>
             </a:ext>
           </a:extLst>
         </p:spPr>
@@ -5160,7 +5102,7 @@
           </a:ln>
           <a:extLst>
             <a:ext uri="{C572A759-6A51-4108-AA02-DFA0A04FC94B}">
-              <ma14:wrappingTextBoxFlag xmlns="" xmlns:ma14="http://schemas.microsoft.com/office/mac/drawingml/2011/main" val="1"/>
+              <ma14:wrappingTextBoxFlag xmlns:ma14="http://schemas.microsoft.com/office/mac/drawingml/2011/main" xmlns="" val="1"/>
             </a:ext>
           </a:extLst>
         </p:spPr>
@@ -5199,7 +5141,7 @@
         <p:spPr>
           <a:xfrm>
             <a:off x="205025" y="2164724"/>
-            <a:ext cx="4134600" cy="1223636"/>
+            <a:ext cx="4134600" cy="2550922"/>
           </a:xfrm>
           <a:prstGeom prst="rect">
             <a:avLst/>
@@ -5209,7 +5151,7 @@
           </a:ln>
           <a:extLst>
             <a:ext uri="{C572A759-6A51-4108-AA02-DFA0A04FC94B}">
-              <ma14:wrappingTextBoxFlag xmlns="" xmlns:ma14="http://schemas.microsoft.com/office/mac/drawingml/2011/main" val="1"/>
+              <ma14:wrappingTextBoxFlag xmlns:ma14="http://schemas.microsoft.com/office/mac/drawingml/2011/main" xmlns="" val="1"/>
             </a:ext>
           </a:extLst>
         </p:spPr>
@@ -5237,113 +5179,32 @@
             </a:pPr>
             <a:r>
               <a:rPr lang="en-GB" dirty="0"/>
-              <a:t>The industry profile of the new customers are similar to the old customers, except for the first and second place where manufacturing have just overtaken finance.</a:t>
+              <a:t>The industry profile of the new customers are shares some similarities to the old customers.</a:t>
+            </a:r>
+          </a:p>
+          <a:p>
+            <a:pPr marL="285750" indent="-285750">
+              <a:buFont typeface="Wingdings" pitchFamily="2" charset="2"/>
+              <a:buChar char="q"/>
+            </a:pPr>
+            <a:r>
+              <a:rPr lang="en-GB" dirty="0"/>
+              <a:t>The top three industry for the original group are: Financial services, Manufacturing and Health (respectively).</a:t>
+            </a:r>
+          </a:p>
+          <a:p>
+            <a:pPr marL="285750" indent="-285750">
+              <a:buFont typeface="Wingdings" pitchFamily="2" charset="2"/>
+              <a:buChar char="q"/>
+            </a:pPr>
+            <a:r>
+              <a:rPr lang="en-GB" dirty="0"/>
+              <a:t>The top three industry for the new group are: Manufacturing, Financial services and Health (respectively).</a:t>
             </a:r>
             <a:endParaRPr dirty="0"/>
           </a:p>
         </p:txBody>
       </p:sp>
-      <p:grpSp>
-        <p:nvGrpSpPr>
-          <p:cNvPr id="154" name="Shape 101"/>
-          <p:cNvGrpSpPr/>
-          <p:nvPr/>
-        </p:nvGrpSpPr>
-        <p:grpSpPr>
-          <a:xfrm>
-            <a:off x="4969974" y="2164724"/>
-            <a:ext cx="3800702" cy="2649302"/>
-            <a:chOff x="0" y="0"/>
-            <a:chExt cx="3800700" cy="2649300"/>
-          </a:xfrm>
-        </p:grpSpPr>
-        <p:sp>
-          <p:nvSpPr>
-            <p:cNvPr id="152" name="Rectangle"/>
-            <p:cNvSpPr/>
-            <p:nvPr/>
-          </p:nvSpPr>
-          <p:spPr>
-            <a:xfrm>
-              <a:off x="-1" y="-1"/>
-              <a:ext cx="3800702" cy="2649302"/>
-            </a:xfrm>
-            <a:prstGeom prst="rect">
-              <a:avLst/>
-            </a:prstGeom>
-            <a:solidFill>
-              <a:srgbClr val="EEEEEE"/>
-            </a:solidFill>
-            <a:ln w="12700" cap="flat">
-              <a:noFill/>
-              <a:miter lim="400000"/>
-            </a:ln>
-            <a:effectLst/>
-          </p:spPr>
-          <p:txBody>
-            <a:bodyPr wrap="square" lIns="45719" tIns="45719" rIns="45719" bIns="45719" numCol="1" anchor="ctr">
-              <a:noAutofit/>
-            </a:bodyPr>
-            <a:lstStyle/>
-            <a:p>
-              <a:pPr algn="ctr">
-                <a:defRPr>
-                  <a:solidFill>
-                    <a:srgbClr val="666666"/>
-                  </a:solidFill>
-                </a:defRPr>
-              </a:pPr>
-              <a:endParaRPr/>
-            </a:p>
-          </p:txBody>
-        </p:sp>
-        <p:sp>
-          <p:nvSpPr>
-            <p:cNvPr id="153" name="Place any supporting images, graphs, data or extra text here."/>
-            <p:cNvSpPr/>
-            <p:nvPr/>
-          </p:nvSpPr>
-          <p:spPr>
-            <a:xfrm>
-              <a:off x="-1" y="1032933"/>
-              <a:ext cx="3800702" cy="583434"/>
-            </a:xfrm>
-            <a:prstGeom prst="rect">
-              <a:avLst/>
-            </a:prstGeom>
-            <a:noFill/>
-            <a:ln w="12700" cap="flat">
-              <a:noFill/>
-              <a:miter lim="400000"/>
-            </a:ln>
-            <a:effectLst/>
-            <a:extLst>
-              <a:ext uri="{C572A759-6A51-4108-AA02-DFA0A04FC94B}">
-                <ma14:wrappingTextBoxFlag xmlns="" xmlns:ma14="http://schemas.microsoft.com/office/mac/drawingml/2011/main" val="1"/>
-              </a:ext>
-            </a:extLst>
-          </p:spPr>
-          <p:txBody>
-            <a:bodyPr wrap="square" lIns="91424" tIns="91424" rIns="91424" bIns="91424" numCol="1" anchor="ctr">
-              <a:spAutoFit/>
-            </a:bodyPr>
-            <a:lstStyle>
-              <a:lvl1pPr algn="ctr">
-                <a:defRPr>
-                  <a:solidFill>
-                    <a:srgbClr val="666666"/>
-                  </a:solidFill>
-                </a:defRPr>
-              </a:lvl1pPr>
-            </a:lstStyle>
-            <a:p>
-              <a:r>
-                <a:t>Place any supporting images, graphs, data or extra text here.</a:t>
-              </a:r>
-            </a:p>
-          </p:txBody>
-        </p:sp>
-      </p:grpSp>
       <p:sp>
         <p:nvSpPr>
           <p:cNvPr id="155" name="Note: The data and information in this document is reflective of a hypothetical situation and client. This document is to be used for KPMG Virtual Internship purposes only."/>
@@ -5366,7 +5227,7 @@
           </a:ln>
           <a:extLst>
             <a:ext uri="{C572A759-6A51-4108-AA02-DFA0A04FC94B}">
-              <ma14:wrappingTextBoxFlag xmlns="" xmlns:ma14="http://schemas.microsoft.com/office/mac/drawingml/2011/main" val="1"/>
+              <ma14:wrappingTextBoxFlag xmlns:ma14="http://schemas.microsoft.com/office/mac/drawingml/2011/main" xmlns="" val="1"/>
             </a:ext>
           </a:extLst>
         </p:spPr>
@@ -5392,6 +5253,78 @@
           </a:p>
         </p:txBody>
       </p:sp>
+      <p:pic>
+        <p:nvPicPr>
+          <p:cNvPr id="3" name="Picture 2" descr="Chart, bar chart&#10;&#10;Description automatically generated">
+            <a:extLst>
+              <a:ext uri="{FF2B5EF4-FFF2-40B4-BE49-F238E27FC236}">
+                <a16:creationId xmlns:a16="http://schemas.microsoft.com/office/drawing/2014/main" id="{481BC521-C0D6-3B4D-ACCD-1441B2DDAA4E}"/>
+              </a:ext>
+            </a:extLst>
+          </p:cNvPr>
+          <p:cNvPicPr>
+            <a:picLocks noChangeAspect="1"/>
+          </p:cNvPicPr>
+          <p:nvPr/>
+        </p:nvPicPr>
+        <p:blipFill>
+          <a:blip r:embed="rId2">
+            <a:extLst>
+              <a:ext uri="{28A0092B-C50C-407E-A947-70E740481C1C}">
+                <a14:useLocalDpi xmlns:a14="http://schemas.microsoft.com/office/drawing/2010/main" val="0"/>
+              </a:ext>
+            </a:extLst>
+          </a:blip>
+          <a:stretch>
+            <a:fillRect/>
+          </a:stretch>
+        </p:blipFill>
+        <p:spPr>
+          <a:xfrm>
+            <a:off x="4572000" y="628731"/>
+            <a:ext cx="4699748" cy="2349874"/>
+          </a:xfrm>
+          <a:prstGeom prst="rect">
+            <a:avLst/>
+          </a:prstGeom>
+        </p:spPr>
+      </p:pic>
+      <p:pic>
+        <p:nvPicPr>
+          <p:cNvPr id="5" name="Picture 4" descr="Chart, bar chart&#10;&#10;Description automatically generated">
+            <a:extLst>
+              <a:ext uri="{FF2B5EF4-FFF2-40B4-BE49-F238E27FC236}">
+                <a16:creationId xmlns:a16="http://schemas.microsoft.com/office/drawing/2014/main" id="{6D25FC11-8776-BD40-AB65-7D8EACC3D4E6}"/>
+              </a:ext>
+            </a:extLst>
+          </p:cNvPr>
+          <p:cNvPicPr>
+            <a:picLocks noChangeAspect="1"/>
+          </p:cNvPicPr>
+          <p:nvPr/>
+        </p:nvPicPr>
+        <p:blipFill>
+          <a:blip r:embed="rId3">
+            <a:extLst>
+              <a:ext uri="{28A0092B-C50C-407E-A947-70E740481C1C}">
+                <a14:useLocalDpi xmlns:a14="http://schemas.microsoft.com/office/drawing/2010/main" val="0"/>
+              </a:ext>
+            </a:extLst>
+          </a:blip>
+          <a:stretch>
+            <a:fillRect/>
+          </a:stretch>
+        </p:blipFill>
+        <p:spPr>
+          <a:xfrm>
+            <a:off x="4572000" y="2814238"/>
+            <a:ext cx="4699748" cy="2349874"/>
+          </a:xfrm>
+          <a:prstGeom prst="rect">
+            <a:avLst/>
+          </a:prstGeom>
+        </p:spPr>
+      </p:pic>
     </p:spTree>
   </p:cSld>
   <p:clrMapOvr>
@@ -5474,7 +5407,7 @@
           </a:ln>
           <a:extLst>
             <a:ext uri="{C572A759-6A51-4108-AA02-DFA0A04FC94B}">
-              <ma14:wrappingTextBoxFlag xmlns:ma14="http://schemas.microsoft.com/office/mac/drawingml/2011/main" xmlns="" val="1"/>
+              <ma14:wrappingTextBoxFlag xmlns="" xmlns:ma14="http://schemas.microsoft.com/office/mac/drawingml/2011/main" val="1"/>
             </a:ext>
           </a:extLst>
         </p:spPr>
@@ -5517,7 +5450,7 @@
           </a:ln>
           <a:extLst>
             <a:ext uri="{C572A759-6A51-4108-AA02-DFA0A04FC94B}">
-              <ma14:wrappingTextBoxFlag xmlns:ma14="http://schemas.microsoft.com/office/mac/drawingml/2011/main" xmlns="" val="1"/>
+              <ma14:wrappingTextBoxFlag xmlns="" xmlns:ma14="http://schemas.microsoft.com/office/mac/drawingml/2011/main" val="1"/>
             </a:ext>
           </a:extLst>
         </p:spPr>
@@ -5566,7 +5499,7 @@
           </a:ln>
           <a:extLst>
             <a:ext uri="{C572A759-6A51-4108-AA02-DFA0A04FC94B}">
-              <ma14:wrappingTextBoxFlag xmlns:ma14="http://schemas.microsoft.com/office/mac/drawingml/2011/main" xmlns="" val="1"/>
+              <ma14:wrappingTextBoxFlag xmlns="" xmlns:ma14="http://schemas.microsoft.com/office/mac/drawingml/2011/main" val="1"/>
             </a:ext>
           </a:extLst>
         </p:spPr>
@@ -5594,7 +5527,7 @@
             </a:pPr>
             <a:r>
               <a:rPr lang="en-GB" dirty="0"/>
-              <a:t>Across all ages, the number of ‘Mass’ customers makes up the largest group, safe for q3 ages where there is almost an equal number of ‘Affluent’ customers in the new customer groups.</a:t>
+              <a:t>The average and median age of the new group is older.</a:t>
             </a:r>
           </a:p>
           <a:p>
@@ -5604,7 +5537,7 @@
             </a:pPr>
             <a:r>
               <a:rPr lang="en-GB" dirty="0"/>
-              <a:t>There are relatively lower proportion of ‘Mass’ customers compared with ‘High Net’ and ‘Affluent’ customers in the new groups.</a:t>
+              <a:t>Across all ages, the number of ‘Mass’ customers makes up the largest group, safe for ages.</a:t>
             </a:r>
           </a:p>
           <a:p>
@@ -5614,113 +5547,22 @@
             </a:pPr>
             <a:r>
               <a:rPr lang="en-GB" dirty="0"/>
+              <a:t>There are relatively lower proportion of ‘Mass’ customers compared with ‘High Net’ and ‘Affluent’ customers in the new groups.</a:t>
+            </a:r>
+          </a:p>
+          <a:p>
+            <a:pPr marL="285750" indent="-285750">
+              <a:buFont typeface="Wingdings" pitchFamily="2" charset="2"/>
+              <a:buChar char="q"/>
+            </a:pPr>
+            <a:r>
+              <a:rPr lang="en-GB" dirty="0"/>
               <a:t>We should focus on focus more on the two aforementioned groups. </a:t>
             </a:r>
             <a:endParaRPr dirty="0"/>
           </a:p>
         </p:txBody>
       </p:sp>
-      <p:grpSp>
-        <p:nvGrpSpPr>
-          <p:cNvPr id="154" name="Shape 101"/>
-          <p:cNvGrpSpPr/>
-          <p:nvPr/>
-        </p:nvGrpSpPr>
-        <p:grpSpPr>
-          <a:xfrm>
-            <a:off x="4969974" y="2164724"/>
-            <a:ext cx="3800702" cy="2649302"/>
-            <a:chOff x="0" y="0"/>
-            <a:chExt cx="3800700" cy="2649300"/>
-          </a:xfrm>
-        </p:grpSpPr>
-        <p:sp>
-          <p:nvSpPr>
-            <p:cNvPr id="152" name="Rectangle"/>
-            <p:cNvSpPr/>
-            <p:nvPr/>
-          </p:nvSpPr>
-          <p:spPr>
-            <a:xfrm>
-              <a:off x="-1" y="-1"/>
-              <a:ext cx="3800702" cy="2649302"/>
-            </a:xfrm>
-            <a:prstGeom prst="rect">
-              <a:avLst/>
-            </a:prstGeom>
-            <a:solidFill>
-              <a:srgbClr val="EEEEEE"/>
-            </a:solidFill>
-            <a:ln w="12700" cap="flat">
-              <a:noFill/>
-              <a:miter lim="400000"/>
-            </a:ln>
-            <a:effectLst/>
-          </p:spPr>
-          <p:txBody>
-            <a:bodyPr wrap="square" lIns="45719" tIns="45719" rIns="45719" bIns="45719" numCol="1" anchor="ctr">
-              <a:noAutofit/>
-            </a:bodyPr>
-            <a:lstStyle/>
-            <a:p>
-              <a:pPr algn="ctr">
-                <a:defRPr>
-                  <a:solidFill>
-                    <a:srgbClr val="666666"/>
-                  </a:solidFill>
-                </a:defRPr>
-              </a:pPr>
-              <a:endParaRPr/>
-            </a:p>
-          </p:txBody>
-        </p:sp>
-        <p:sp>
-          <p:nvSpPr>
-            <p:cNvPr id="153" name="Place any supporting images, graphs, data or extra text here."/>
-            <p:cNvSpPr/>
-            <p:nvPr/>
-          </p:nvSpPr>
-          <p:spPr>
-            <a:xfrm>
-              <a:off x="-1" y="1032933"/>
-              <a:ext cx="3800702" cy="583434"/>
-            </a:xfrm>
-            <a:prstGeom prst="rect">
-              <a:avLst/>
-            </a:prstGeom>
-            <a:noFill/>
-            <a:ln w="12700" cap="flat">
-              <a:noFill/>
-              <a:miter lim="400000"/>
-            </a:ln>
-            <a:effectLst/>
-            <a:extLst>
-              <a:ext uri="{C572A759-6A51-4108-AA02-DFA0A04FC94B}">
-                <ma14:wrappingTextBoxFlag xmlns:ma14="http://schemas.microsoft.com/office/mac/drawingml/2011/main" xmlns="" val="1"/>
-              </a:ext>
-            </a:extLst>
-          </p:spPr>
-          <p:txBody>
-            <a:bodyPr wrap="square" lIns="91424" tIns="91424" rIns="91424" bIns="91424" numCol="1" anchor="ctr">
-              <a:spAutoFit/>
-            </a:bodyPr>
-            <a:lstStyle>
-              <a:lvl1pPr algn="ctr">
-                <a:defRPr>
-                  <a:solidFill>
-                    <a:srgbClr val="666666"/>
-                  </a:solidFill>
-                </a:defRPr>
-              </a:lvl1pPr>
-            </a:lstStyle>
-            <a:p>
-              <a:r>
-                <a:t>Place any supporting images, graphs, data or extra text here.</a:t>
-              </a:r>
-            </a:p>
-          </p:txBody>
-        </p:sp>
-      </p:grpSp>
       <p:sp>
         <p:nvSpPr>
           <p:cNvPr id="155" name="Note: The data and information in this document is reflective of a hypothetical situation and client. This document is to be used for KPMG Virtual Internship purposes only."/>
@@ -5743,7 +5585,7 @@
           </a:ln>
           <a:extLst>
             <a:ext uri="{C572A759-6A51-4108-AA02-DFA0A04FC94B}">
-              <ma14:wrappingTextBoxFlag xmlns:ma14="http://schemas.microsoft.com/office/mac/drawingml/2011/main" xmlns="" val="1"/>
+              <ma14:wrappingTextBoxFlag xmlns="" xmlns:ma14="http://schemas.microsoft.com/office/mac/drawingml/2011/main" val="1"/>
             </a:ext>
           </a:extLst>
         </p:spPr>
@@ -5769,6 +5611,78 @@
           </a:p>
         </p:txBody>
       </p:sp>
+      <p:pic>
+        <p:nvPicPr>
+          <p:cNvPr id="3" name="Picture 2" descr="Chart, histogram&#10;&#10;Description automatically generated">
+            <a:extLst>
+              <a:ext uri="{FF2B5EF4-FFF2-40B4-BE49-F238E27FC236}">
+                <a16:creationId xmlns:a16="http://schemas.microsoft.com/office/drawing/2014/main" id="{F4F9F99F-E02F-2746-A1B3-4E2C45EEA9CC}"/>
+              </a:ext>
+            </a:extLst>
+          </p:cNvPr>
+          <p:cNvPicPr>
+            <a:picLocks noChangeAspect="1"/>
+          </p:cNvPicPr>
+          <p:nvPr/>
+        </p:nvPicPr>
+        <p:blipFill>
+          <a:blip r:embed="rId2">
+            <a:extLst>
+              <a:ext uri="{28A0092B-C50C-407E-A947-70E740481C1C}">
+                <a14:useLocalDpi xmlns:a14="http://schemas.microsoft.com/office/drawing/2010/main" val="0"/>
+              </a:ext>
+            </a:extLst>
+          </a:blip>
+          <a:stretch>
+            <a:fillRect/>
+          </a:stretch>
+        </p:blipFill>
+        <p:spPr>
+          <a:xfrm>
+            <a:off x="5573805" y="852148"/>
+            <a:ext cx="2826124" cy="2093425"/>
+          </a:xfrm>
+          <a:prstGeom prst="rect">
+            <a:avLst/>
+          </a:prstGeom>
+        </p:spPr>
+      </p:pic>
+      <p:pic>
+        <p:nvPicPr>
+          <p:cNvPr id="5" name="Picture 4" descr="Chart, histogram&#10;&#10;Description automatically generated">
+            <a:extLst>
+              <a:ext uri="{FF2B5EF4-FFF2-40B4-BE49-F238E27FC236}">
+                <a16:creationId xmlns:a16="http://schemas.microsoft.com/office/drawing/2014/main" id="{5CA499D8-251C-E143-B4BC-AFF30F5685F8}"/>
+              </a:ext>
+            </a:extLst>
+          </p:cNvPr>
+          <p:cNvPicPr>
+            <a:picLocks noChangeAspect="1"/>
+          </p:cNvPicPr>
+          <p:nvPr/>
+        </p:nvPicPr>
+        <p:blipFill>
+          <a:blip r:embed="rId3">
+            <a:extLst>
+              <a:ext uri="{28A0092B-C50C-407E-A947-70E740481C1C}">
+                <a14:useLocalDpi xmlns:a14="http://schemas.microsoft.com/office/drawing/2010/main" val="0"/>
+              </a:ext>
+            </a:extLst>
+          </a:blip>
+          <a:stretch>
+            <a:fillRect/>
+          </a:stretch>
+        </p:blipFill>
+        <p:spPr>
+          <a:xfrm>
+            <a:off x="5573805" y="2977196"/>
+            <a:ext cx="2826124" cy="2093425"/>
+          </a:xfrm>
+          <a:prstGeom prst="rect">
+            <a:avLst/>
+          </a:prstGeom>
+        </p:spPr>
+      </p:pic>
     </p:spTree>
     <p:extLst>
       <p:ext uri="{BB962C8B-B14F-4D97-AF65-F5344CB8AC3E}">
@@ -5856,7 +5770,7 @@
           </a:ln>
           <a:extLst>
             <a:ext uri="{C572A759-6A51-4108-AA02-DFA0A04FC94B}">
-              <ma14:wrappingTextBoxFlag xmlns:ma14="http://schemas.microsoft.com/office/mac/drawingml/2011/main" xmlns="" val="1"/>
+              <ma14:wrappingTextBoxFlag xmlns="" xmlns:ma14="http://schemas.microsoft.com/office/mac/drawingml/2011/main" val="1"/>
             </a:ext>
           </a:extLst>
         </p:spPr>
@@ -5899,7 +5813,7 @@
           </a:ln>
           <a:extLst>
             <a:ext uri="{C572A759-6A51-4108-AA02-DFA0A04FC94B}">
-              <ma14:wrappingTextBoxFlag xmlns:ma14="http://schemas.microsoft.com/office/mac/drawingml/2011/main" xmlns="" val="1"/>
+              <ma14:wrappingTextBoxFlag xmlns="" xmlns:ma14="http://schemas.microsoft.com/office/mac/drawingml/2011/main" val="1"/>
             </a:ext>
           </a:extLst>
         </p:spPr>
@@ -5948,7 +5862,7 @@
           </a:ln>
           <a:extLst>
             <a:ext uri="{C572A759-6A51-4108-AA02-DFA0A04FC94B}">
-              <ma14:wrappingTextBoxFlag xmlns:ma14="http://schemas.microsoft.com/office/mac/drawingml/2011/main" xmlns="" val="1"/>
+              <ma14:wrappingTextBoxFlag xmlns="" xmlns:ma14="http://schemas.microsoft.com/office/mac/drawingml/2011/main" val="1"/>
             </a:ext>
           </a:extLst>
         </p:spPr>
@@ -6002,107 +5916,6 @@
           </a:p>
         </p:txBody>
       </p:sp>
-      <p:grpSp>
-        <p:nvGrpSpPr>
-          <p:cNvPr id="154" name="Shape 101"/>
-          <p:cNvGrpSpPr/>
-          <p:nvPr/>
-        </p:nvGrpSpPr>
-        <p:grpSpPr>
-          <a:xfrm>
-            <a:off x="4969974" y="2164724"/>
-            <a:ext cx="3800702" cy="2649302"/>
-            <a:chOff x="0" y="0"/>
-            <a:chExt cx="3800700" cy="2649300"/>
-          </a:xfrm>
-        </p:grpSpPr>
-        <p:sp>
-          <p:nvSpPr>
-            <p:cNvPr id="152" name="Rectangle"/>
-            <p:cNvSpPr/>
-            <p:nvPr/>
-          </p:nvSpPr>
-          <p:spPr>
-            <a:xfrm>
-              <a:off x="-1" y="-1"/>
-              <a:ext cx="3800702" cy="2649302"/>
-            </a:xfrm>
-            <a:prstGeom prst="rect">
-              <a:avLst/>
-            </a:prstGeom>
-            <a:solidFill>
-              <a:srgbClr val="EEEEEE"/>
-            </a:solidFill>
-            <a:ln w="12700" cap="flat">
-              <a:noFill/>
-              <a:miter lim="400000"/>
-            </a:ln>
-            <a:effectLst/>
-          </p:spPr>
-          <p:txBody>
-            <a:bodyPr wrap="square" lIns="45719" tIns="45719" rIns="45719" bIns="45719" numCol="1" anchor="ctr">
-              <a:noAutofit/>
-            </a:bodyPr>
-            <a:lstStyle/>
-            <a:p>
-              <a:pPr algn="ctr">
-                <a:defRPr>
-                  <a:solidFill>
-                    <a:srgbClr val="666666"/>
-                  </a:solidFill>
-                </a:defRPr>
-              </a:pPr>
-              <a:endParaRPr/>
-            </a:p>
-          </p:txBody>
-        </p:sp>
-        <p:sp>
-          <p:nvSpPr>
-            <p:cNvPr id="153" name="Place any supporting images, graphs, data or extra text here."/>
-            <p:cNvSpPr/>
-            <p:nvPr/>
-          </p:nvSpPr>
-          <p:spPr>
-            <a:xfrm>
-              <a:off x="-1" y="1032933"/>
-              <a:ext cx="3800702" cy="583434"/>
-            </a:xfrm>
-            <a:prstGeom prst="rect">
-              <a:avLst/>
-            </a:prstGeom>
-            <a:noFill/>
-            <a:ln w="12700" cap="flat">
-              <a:noFill/>
-              <a:miter lim="400000"/>
-            </a:ln>
-            <a:effectLst/>
-            <a:extLst>
-              <a:ext uri="{C572A759-6A51-4108-AA02-DFA0A04FC94B}">
-                <ma14:wrappingTextBoxFlag xmlns:ma14="http://schemas.microsoft.com/office/mac/drawingml/2011/main" xmlns="" val="1"/>
-              </a:ext>
-            </a:extLst>
-          </p:spPr>
-          <p:txBody>
-            <a:bodyPr wrap="square" lIns="91424" tIns="91424" rIns="91424" bIns="91424" numCol="1" anchor="ctr">
-              <a:spAutoFit/>
-            </a:bodyPr>
-            <a:lstStyle>
-              <a:lvl1pPr algn="ctr">
-                <a:defRPr>
-                  <a:solidFill>
-                    <a:srgbClr val="666666"/>
-                  </a:solidFill>
-                </a:defRPr>
-              </a:lvl1pPr>
-            </a:lstStyle>
-            <a:p>
-              <a:r>
-                <a:t>Place any supporting images, graphs, data or extra text here.</a:t>
-              </a:r>
-            </a:p>
-          </p:txBody>
-        </p:sp>
-      </p:grpSp>
       <p:sp>
         <p:nvSpPr>
           <p:cNvPr id="155" name="Note: The data and information in this document is reflective of a hypothetical situation and client. This document is to be used for KPMG Virtual Internship purposes only."/>
@@ -6125,7 +5938,7 @@
           </a:ln>
           <a:extLst>
             <a:ext uri="{C572A759-6A51-4108-AA02-DFA0A04FC94B}">
-              <ma14:wrappingTextBoxFlag xmlns:ma14="http://schemas.microsoft.com/office/mac/drawingml/2011/main" xmlns="" val="1"/>
+              <ma14:wrappingTextBoxFlag xmlns="" xmlns:ma14="http://schemas.microsoft.com/office/mac/drawingml/2011/main" val="1"/>
             </a:ext>
           </a:extLst>
         </p:spPr>
@@ -6151,6 +5964,78 @@
           </a:p>
         </p:txBody>
       </p:sp>
+      <p:pic>
+        <p:nvPicPr>
+          <p:cNvPr id="3" name="Picture 2" descr="Chart, bar chart&#10;&#10;Description automatically generated">
+            <a:extLst>
+              <a:ext uri="{FF2B5EF4-FFF2-40B4-BE49-F238E27FC236}">
+                <a16:creationId xmlns:a16="http://schemas.microsoft.com/office/drawing/2014/main" id="{7DCEFD82-912D-DC45-8391-A5B9F8554C5C}"/>
+              </a:ext>
+            </a:extLst>
+          </p:cNvPr>
+          <p:cNvPicPr>
+            <a:picLocks noChangeAspect="1"/>
+          </p:cNvPicPr>
+          <p:nvPr/>
+        </p:nvPicPr>
+        <p:blipFill>
+          <a:blip r:embed="rId2">
+            <a:extLst>
+              <a:ext uri="{28A0092B-C50C-407E-A947-70E740481C1C}">
+                <a14:useLocalDpi xmlns:a14="http://schemas.microsoft.com/office/drawing/2010/main" val="0"/>
+              </a:ext>
+            </a:extLst>
+          </a:blip>
+          <a:stretch>
+            <a:fillRect/>
+          </a:stretch>
+        </p:blipFill>
+        <p:spPr>
+          <a:xfrm>
+            <a:off x="4934387" y="595248"/>
+            <a:ext cx="3836238" cy="2557492"/>
+          </a:xfrm>
+          <a:prstGeom prst="rect">
+            <a:avLst/>
+          </a:prstGeom>
+        </p:spPr>
+      </p:pic>
+      <p:pic>
+        <p:nvPicPr>
+          <p:cNvPr id="7" name="Picture 6" descr="Chart, bar chart&#10;&#10;Description automatically generated">
+            <a:extLst>
+              <a:ext uri="{FF2B5EF4-FFF2-40B4-BE49-F238E27FC236}">
+                <a16:creationId xmlns:a16="http://schemas.microsoft.com/office/drawing/2014/main" id="{CF95E46E-2006-C343-8022-9B987B694C20}"/>
+              </a:ext>
+            </a:extLst>
+          </p:cNvPr>
+          <p:cNvPicPr>
+            <a:picLocks noChangeAspect="1"/>
+          </p:cNvPicPr>
+          <p:nvPr/>
+        </p:nvPicPr>
+        <p:blipFill>
+          <a:blip r:embed="rId3">
+            <a:extLst>
+              <a:ext uri="{28A0092B-C50C-407E-A947-70E740481C1C}">
+                <a14:useLocalDpi xmlns:a14="http://schemas.microsoft.com/office/drawing/2010/main" val="0"/>
+              </a:ext>
+            </a:extLst>
+          </a:blip>
+          <a:stretch>
+            <a:fillRect/>
+          </a:stretch>
+        </p:blipFill>
+        <p:spPr>
+          <a:xfrm>
+            <a:off x="4945716" y="2725271"/>
+            <a:ext cx="3836238" cy="2557492"/>
+          </a:xfrm>
+          <a:prstGeom prst="rect">
+            <a:avLst/>
+          </a:prstGeom>
+        </p:spPr>
+      </p:pic>
     </p:spTree>
     <p:extLst>
       <p:ext uri="{BB962C8B-B14F-4D97-AF65-F5344CB8AC3E}">
@@ -6275,7 +6160,7 @@
           </a:ln>
           <a:extLst>
             <a:ext uri="{C572A759-6A51-4108-AA02-DFA0A04FC94B}">
-              <ma14:wrappingTextBoxFlag xmlns="" xmlns:ma14="http://schemas.microsoft.com/office/mac/drawingml/2011/main" val="1"/>
+              <ma14:wrappingTextBoxFlag xmlns:ma14="http://schemas.microsoft.com/office/mac/drawingml/2011/main" xmlns="" val="1"/>
             </a:ext>
           </a:extLst>
         </p:spPr>
@@ -6325,7 +6210,7 @@
           </a:ln>
           <a:extLst>
             <a:ext uri="{C572A759-6A51-4108-AA02-DFA0A04FC94B}">
-              <ma14:wrappingTextBoxFlag xmlns="" xmlns:ma14="http://schemas.microsoft.com/office/mac/drawingml/2011/main" val="1"/>
+              <ma14:wrappingTextBoxFlag xmlns:ma14="http://schemas.microsoft.com/office/mac/drawingml/2011/main" xmlns="" val="1"/>
             </a:ext>
           </a:extLst>
         </p:spPr>
